--- a/presentation.pptx
+++ b/presentation.pptx
@@ -13,8 +13,9 @@
     <p:sldId id="260" r:id="rId7"/>
     <p:sldId id="265" r:id="rId8"/>
     <p:sldId id="258" r:id="rId9"/>
-    <p:sldId id="262" r:id="rId10"/>
-    <p:sldId id="263" r:id="rId11"/>
+    <p:sldId id="266" r:id="rId10"/>
+    <p:sldId id="262" r:id="rId11"/>
+    <p:sldId id="263" r:id="rId12"/>
   </p:sldIdLst>
   <p:sldSz cx="12192000" cy="6858000"/>
   <p:notesSz cx="6858000" cy="9144000"/>
@@ -932,7 +933,7 @@
 <dgm:dataModel xmlns:dgm="http://schemas.openxmlformats.org/drawingml/2006/diagram" xmlns:a="http://schemas.openxmlformats.org/drawingml/2006/main">
   <dgm:ptLst>
     <dgm:pt modelId="{2B148992-9D89-4FB2-83A0-C3B878D5B354}" type="doc">
-      <dgm:prSet loTypeId="urn:microsoft.com/office/officeart/2005/8/layout/vList2" loCatId="list" qsTypeId="urn:microsoft.com/office/officeart/2005/8/quickstyle/simple5" qsCatId="simple" csTypeId="urn:microsoft.com/office/officeart/2005/8/colors/accent3_1" csCatId="accent3"/>
+      <dgm:prSet loTypeId="urn:microsoft.com/office/officeart/2005/8/layout/vList2" loCatId="list" qsTypeId="urn:microsoft.com/office/officeart/2005/8/quickstyle/simple5" qsCatId="simple" csTypeId="urn:microsoft.com/office/officeart/2005/8/colors/accent3_1" csCatId="accent3" phldr="1"/>
       <dgm:spPr/>
       <dgm:t>
         <a:bodyPr/>
@@ -1071,10 +1072,10 @@
         <a:lstStyle/>
         <a:p>
           <a:r>
-            <a:rPr lang="en-IN"/>
-            <a:t>We used xmllint, visual studio for data validation.</a:t>
+            <a:rPr lang="en-IN" dirty="0"/>
+            <a:t>We used xmllint, visual studio, Liquid Studio 2017 for data validation.</a:t>
           </a:r>
-          <a:endParaRPr lang="en-US"/>
+          <a:endParaRPr lang="en-US" dirty="0"/>
         </a:p>
       </dgm:t>
     </dgm:pt>
@@ -1566,10 +1567,10 @@
             <a:buChar char="•"/>
           </a:pPr>
           <a:r>
-            <a:rPr lang="en-IN" sz="2200" kern="1200"/>
-            <a:t>We used xmllint, visual studio for data validation.</a:t>
+            <a:rPr lang="en-IN" sz="2200" kern="1200" dirty="0"/>
+            <a:t>We used xmllint, visual studio, Liquid Studio 2017 for data validation.</a:t>
           </a:r>
-          <a:endParaRPr lang="en-US" sz="2200" kern="1200"/>
+          <a:endParaRPr lang="en-US" sz="2200" kern="1200" dirty="0"/>
         </a:p>
       </dsp:txBody>
       <dsp:txXfrm>
@@ -6003,6 +6004,15 @@
 <file path=ppt/slides/slide1.xml><?xml version="1.0" encoding="utf-8"?>
 <p:sld xmlns:a="http://schemas.openxmlformats.org/drawingml/2006/main" xmlns:r="http://schemas.openxmlformats.org/officeDocument/2006/relationships" xmlns:p="http://schemas.openxmlformats.org/presentationml/2006/main">
   <p:cSld>
+    <p:bg>
+      <p:bgPr>
+        <a:blipFill>
+          <a:blip r:embed="rId2"/>
+          <a:tile tx="0" ty="0" sx="100000" sy="100000" flip="none" algn="tl"/>
+        </a:blipFill>
+        <a:effectLst/>
+      </p:bgPr>
+    </p:bg>
     <p:spTree>
       <p:nvGrpSpPr>
         <p:cNvPr id="1" name=""/>
@@ -6019,34 +6029,211 @@
       </p:grpSpPr>
       <p:sp>
         <p:nvSpPr>
-          <p:cNvPr id="2" name="Title 1">
-            <a:extLst>
-              <a:ext uri="{FF2B5EF4-FFF2-40B4-BE49-F238E27FC236}">
-                <a16:creationId xmlns:a16="http://schemas.microsoft.com/office/drawing/2014/main" id="{63CD4EBB-8E8D-4060-9CBA-922A66CC894B}"/>
+          <p:cNvPr id="21" name="Rectangle 16">
+            <a:extLst>
+              <a:ext uri="{FF2B5EF4-FFF2-40B4-BE49-F238E27FC236}">
+                <a16:creationId xmlns:a16="http://schemas.microsoft.com/office/drawing/2014/main" id="{9A0576B0-CD8C-4661-95C8-A9F2CE7CDDB0}"/>
               </a:ext>
             </a:extLst>
           </p:cNvPr>
           <p:cNvSpPr>
-            <a:spLocks noGrp="1"/>
+            <a:spLocks noGrp="1" noRot="1" noChangeAspect="1" noMove="1" noResize="1" noEditPoints="1" noAdjustHandles="1" noChangeArrowheads="1" noChangeShapeType="1" noTextEdit="1"/>
           </p:cNvSpPr>
           <p:nvPr>
-            <p:ph type="ctrTitle"/>
+            <p:extLst>
+              <p:ext uri="{386F3935-93C4-4BCD-93E2-E3B085C9AB24}">
+                <p16:designElem xmlns:p16="http://schemas.microsoft.com/office/powerpoint/2015/main" val="1"/>
+              </p:ext>
+            </p:extLst>
           </p:nvPr>
         </p:nvSpPr>
-        <p:spPr/>
+        <p:spPr>
+          <a:xfrm>
+            <a:off x="7467712" y="-3324"/>
+            <a:ext cx="4724288" cy="6861324"/>
+          </a:xfrm>
+          <a:prstGeom prst="rect">
+            <a:avLst/>
+          </a:prstGeom>
+          <a:solidFill>
+            <a:schemeClr val="tx1">
+              <a:alpha val="81000"/>
+            </a:schemeClr>
+          </a:solidFill>
+          <a:ln>
+            <a:noFill/>
+          </a:ln>
+        </p:spPr>
+        <p:style>
+          <a:lnRef idx="2">
+            <a:schemeClr val="accent1">
+              <a:shade val="50000"/>
+            </a:schemeClr>
+          </a:lnRef>
+          <a:fillRef idx="1">
+            <a:schemeClr val="accent1"/>
+          </a:fillRef>
+          <a:effectRef idx="0">
+            <a:schemeClr val="accent1"/>
+          </a:effectRef>
+          <a:fontRef idx="minor">
+            <a:schemeClr val="lt1"/>
+          </a:fontRef>
+        </p:style>
         <p:txBody>
-          <a:bodyPr/>
+          <a:bodyPr rtlCol="0" anchor="ctr"/>
           <a:lstStyle/>
           <a:p>
-            <a:r>
-              <a:rPr lang="en-IN" dirty="0"/>
-              <a:t>IMDB</a:t>
-            </a:r>
+            <a:pPr algn="ctr"/>
+            <a:endParaRPr lang="en-US"/>
           </a:p>
         </p:txBody>
       </p:sp>
       <p:sp>
         <p:nvSpPr>
+          <p:cNvPr id="22" name="Freeform: Shape 18">
+            <a:extLst>
+              <a:ext uri="{FF2B5EF4-FFF2-40B4-BE49-F238E27FC236}">
+                <a16:creationId xmlns:a16="http://schemas.microsoft.com/office/drawing/2014/main" id="{3FF60E2B-3919-423C-B1FF-56CDE6681165}"/>
+              </a:ext>
+            </a:extLst>
+          </p:cNvPr>
+          <p:cNvSpPr>
+            <a:spLocks noGrp="1" noRot="1" noChangeAspect="1" noMove="1" noResize="1" noEditPoints="1" noAdjustHandles="1" noChangeArrowheads="1" noChangeShapeType="1" noTextEdit="1"/>
+          </p:cNvSpPr>
+          <p:nvPr>
+            <p:extLst>
+              <p:ext uri="{386F3935-93C4-4BCD-93E2-E3B085C9AB24}">
+                <p16:designElem xmlns:p16="http://schemas.microsoft.com/office/powerpoint/2015/main" val="1"/>
+              </p:ext>
+            </p:extLst>
+          </p:nvPr>
+        </p:nvSpPr>
+        <p:spPr>
+          <a:xfrm>
+            <a:off x="7467712" y="0"/>
+            <a:ext cx="4319042" cy="6858000"/>
+          </a:xfrm>
+          <a:custGeom>
+            <a:avLst/>
+            <a:gdLst>
+              <a:gd name="connsiteX0" fmla="*/ 0 w 4319042"/>
+              <a:gd name="connsiteY0" fmla="*/ 0 h 6858000"/>
+              <a:gd name="connsiteX1" fmla="*/ 1142888 w 4319042"/>
+              <a:gd name="connsiteY1" fmla="*/ 0 h 6858000"/>
+              <a:gd name="connsiteX2" fmla="*/ 4319042 w 4319042"/>
+              <a:gd name="connsiteY2" fmla="*/ 6858000 h 6858000"/>
+              <a:gd name="connsiteX3" fmla="*/ 0 w 4319042"/>
+              <a:gd name="connsiteY3" fmla="*/ 6858000 h 6858000"/>
+            </a:gdLst>
+            <a:ahLst/>
+            <a:cxnLst>
+              <a:cxn ang="0">
+                <a:pos x="connsiteX0" y="connsiteY0"/>
+              </a:cxn>
+              <a:cxn ang="0">
+                <a:pos x="connsiteX1" y="connsiteY1"/>
+              </a:cxn>
+              <a:cxn ang="0">
+                <a:pos x="connsiteX2" y="connsiteY2"/>
+              </a:cxn>
+              <a:cxn ang="0">
+                <a:pos x="connsiteX3" y="connsiteY3"/>
+              </a:cxn>
+            </a:cxnLst>
+            <a:rect l="l" t="t" r="r" b="b"/>
+            <a:pathLst>
+              <a:path w="4319042" h="6858000">
+                <a:moveTo>
+                  <a:pt x="0" y="0"/>
+                </a:moveTo>
+                <a:lnTo>
+                  <a:pt x="1142888" y="0"/>
+                </a:lnTo>
+                <a:lnTo>
+                  <a:pt x="4319042" y="6858000"/>
+                </a:lnTo>
+                <a:lnTo>
+                  <a:pt x="0" y="6858000"/>
+                </a:lnTo>
+                <a:close/>
+              </a:path>
+            </a:pathLst>
+          </a:custGeom>
+          <a:solidFill>
+            <a:schemeClr val="tx1">
+              <a:alpha val="35000"/>
+            </a:schemeClr>
+          </a:solidFill>
+          <a:ln>
+            <a:noFill/>
+          </a:ln>
+        </p:spPr>
+        <p:style>
+          <a:lnRef idx="2">
+            <a:schemeClr val="accent1">
+              <a:shade val="50000"/>
+            </a:schemeClr>
+          </a:lnRef>
+          <a:fillRef idx="1">
+            <a:schemeClr val="accent1"/>
+          </a:fillRef>
+          <a:effectRef idx="0">
+            <a:schemeClr val="accent1"/>
+          </a:effectRef>
+          <a:fontRef idx="minor">
+            <a:schemeClr val="lt1"/>
+          </a:fontRef>
+        </p:style>
+        <p:txBody>
+          <a:bodyPr wrap="square" rtlCol="0" anchor="ctr">
+            <a:noAutofit/>
+          </a:bodyPr>
+          <a:lstStyle/>
+          <a:p>
+            <a:pPr algn="ctr"/>
+            <a:endParaRPr lang="en-US"/>
+          </a:p>
+        </p:txBody>
+      </p:sp>
+      <p:pic>
+        <p:nvPicPr>
+          <p:cNvPr id="5" name="Picture 4">
+            <a:extLst>
+              <a:ext uri="{FF2B5EF4-FFF2-40B4-BE49-F238E27FC236}">
+                <a16:creationId xmlns:a16="http://schemas.microsoft.com/office/drawing/2014/main" id="{75125B2D-DE30-4E0E-AA09-134EEACA977B}"/>
+              </a:ext>
+            </a:extLst>
+          </p:cNvPr>
+          <p:cNvPicPr>
+            <a:picLocks noChangeAspect="1"/>
+          </p:cNvPicPr>
+          <p:nvPr/>
+        </p:nvPicPr>
+        <p:blipFill>
+          <a:blip r:embed="rId3">
+            <a:extLst>
+              <a:ext uri="{28A0092B-C50C-407E-A947-70E740481C1C}">
+                <a14:useLocalDpi xmlns:a14="http://schemas.microsoft.com/office/drawing/2010/main" val="0"/>
+              </a:ext>
+            </a:extLst>
+          </a:blip>
+          <a:stretch>
+            <a:fillRect/>
+          </a:stretch>
+        </p:blipFill>
+        <p:spPr>
+          <a:xfrm>
+            <a:off x="643467" y="1899641"/>
+            <a:ext cx="6274296" cy="3058718"/>
+          </a:xfrm>
+          <a:prstGeom prst="rect">
+            <a:avLst/>
+          </a:prstGeom>
+        </p:spPr>
+      </p:pic>
+      <p:sp>
+        <p:nvSpPr>
           <p:cNvPr id="3" name="Subtitle 2">
             <a:extLst>
               <a:ext uri="{FF2B5EF4-FFF2-40B4-BE49-F238E27FC236}">
@@ -6061,28 +6248,51 @@
             <p:ph type="subTitle" idx="1"/>
           </p:nvPr>
         </p:nvSpPr>
-        <p:spPr/>
+        <p:spPr>
+          <a:xfrm>
+            <a:off x="8478623" y="4352544"/>
+            <a:ext cx="3308131" cy="1685544"/>
+          </a:xfrm>
+        </p:spPr>
         <p:txBody>
-          <a:bodyPr/>
+          <a:bodyPr>
+            <a:normAutofit/>
+          </a:bodyPr>
           <a:lstStyle/>
           <a:p>
+            <a:pPr algn="l"/>
             <a:r>
-              <a:rPr lang="en-IN"/>
-              <a:t>IMDB domain model </a:t>
+              <a:rPr lang="en-IN" sz="2000" dirty="0">
+                <a:solidFill>
+                  <a:schemeClr val="bg1"/>
+                </a:solidFill>
+              </a:rPr>
+              <a:t>IMDB domain model in XML.</a:t>
+            </a:r>
+          </a:p>
+          <a:p>
+            <a:pPr algn="l"/>
+            <a:r>
+              <a:rPr lang="en-IN" sz="2000" dirty="0">
+                <a:solidFill>
+                  <a:schemeClr val="bg1"/>
+                </a:solidFill>
+              </a:rPr>
+              <a:t>Lokesh, Nikhil, Akhil, Avinash, Anirudh, Dinesh, </a:t>
             </a:r>
             <a:r>
-              <a:rPr lang="en-IN" dirty="0"/>
-              <a:t>in XML.</a:t>
+              <a:rPr lang="en-IN" sz="2000" dirty="0" err="1">
+                <a:solidFill>
+                  <a:schemeClr val="bg1"/>
+                </a:solidFill>
+              </a:rPr>
+              <a:t>Shyam</a:t>
             </a:r>
-          </a:p>
-          <a:p>
-            <a:r>
-              <a:rPr lang="en-IN" dirty="0"/>
-              <a:t>By CS15B008, CS15B028, CS15B029, CS15B035, CS15B040, CS15B049, CS13B045</a:t>
-            </a:r>
-          </a:p>
-          <a:p>
-            <a:endParaRPr lang="en-IN" dirty="0"/>
+            <a:endParaRPr lang="en-IN" sz="2000" dirty="0">
+              <a:solidFill>
+                <a:schemeClr val="bg1"/>
+              </a:solidFill>
+            </a:endParaRPr>
           </a:p>
         </p:txBody>
       </p:sp>
@@ -6096,10 +6306,459 @@
   <p:clrMapOvr>
     <a:masterClrMapping/>
   </p:clrMapOvr>
+  <mc:AlternateContent xmlns:mc="http://schemas.openxmlformats.org/markup-compatibility/2006">
+    <mc:Choice xmlns:p14="http://schemas.microsoft.com/office/powerpoint/2010/main" Requires="p14">
+      <p:transition spd="slow">
+        <p14:reveal/>
+      </p:transition>
+    </mc:Choice>
+    <mc:Fallback>
+      <p:transition spd="slow">
+        <p:fade/>
+      </p:transition>
+    </mc:Fallback>
+  </mc:AlternateContent>
+  <p:timing>
+    <p:tnLst>
+      <p:par>
+        <p:cTn id="1" dur="indefinite" restart="never" nodeType="tmRoot">
+          <p:childTnLst>
+            <p:seq concurrent="1" nextAc="seek">
+              <p:cTn id="2" dur="indefinite" nodeType="mainSeq">
+                <p:childTnLst>
+                  <p:par>
+                    <p:cTn id="3" fill="hold">
+                      <p:stCondLst>
+                        <p:cond delay="indefinite"/>
+                      </p:stCondLst>
+                      <p:childTnLst>
+                        <p:par>
+                          <p:cTn id="4" fill="hold">
+                            <p:stCondLst>
+                              <p:cond delay="0"/>
+                            </p:stCondLst>
+                            <p:childTnLst>
+                              <p:par>
+                                <p:cTn id="5" presetID="10" presetClass="entr" presetSubtype="0" fill="hold" nodeType="clickEffect">
+                                  <p:stCondLst>
+                                    <p:cond delay="0"/>
+                                  </p:stCondLst>
+                                  <p:childTnLst>
+                                    <p:set>
+                                      <p:cBhvr>
+                                        <p:cTn id="6" dur="1" fill="hold">
+                                          <p:stCondLst>
+                                            <p:cond delay="0"/>
+                                          </p:stCondLst>
+                                        </p:cTn>
+                                        <p:tgtEl>
+                                          <p:spTgt spid="3">
+                                            <p:txEl>
+                                              <p:pRg st="0" end="0"/>
+                                            </p:txEl>
+                                          </p:spTgt>
+                                        </p:tgtEl>
+                                        <p:attrNameLst>
+                                          <p:attrName>style.visibility</p:attrName>
+                                        </p:attrNameLst>
+                                      </p:cBhvr>
+                                      <p:to>
+                                        <p:strVal val="visible"/>
+                                      </p:to>
+                                    </p:set>
+                                    <p:animEffect transition="in" filter="fade">
+                                      <p:cBhvr>
+                                        <p:cTn id="7" dur="500"/>
+                                        <p:tgtEl>
+                                          <p:spTgt spid="3">
+                                            <p:txEl>
+                                              <p:pRg st="0" end="0"/>
+                                            </p:txEl>
+                                          </p:spTgt>
+                                        </p:tgtEl>
+                                      </p:cBhvr>
+                                    </p:animEffect>
+                                  </p:childTnLst>
+                                </p:cTn>
+                              </p:par>
+                            </p:childTnLst>
+                          </p:cTn>
+                        </p:par>
+                      </p:childTnLst>
+                    </p:cTn>
+                  </p:par>
+                  <p:par>
+                    <p:cTn id="8" fill="hold">
+                      <p:stCondLst>
+                        <p:cond delay="indefinite"/>
+                      </p:stCondLst>
+                      <p:childTnLst>
+                        <p:par>
+                          <p:cTn id="9" fill="hold">
+                            <p:stCondLst>
+                              <p:cond delay="0"/>
+                            </p:stCondLst>
+                            <p:childTnLst>
+                              <p:par>
+                                <p:cTn id="10" presetID="10" presetClass="entr" presetSubtype="0" fill="hold" nodeType="clickEffect">
+                                  <p:stCondLst>
+                                    <p:cond delay="0"/>
+                                  </p:stCondLst>
+                                  <p:childTnLst>
+                                    <p:set>
+                                      <p:cBhvr>
+                                        <p:cTn id="11" dur="1" fill="hold">
+                                          <p:stCondLst>
+                                            <p:cond delay="0"/>
+                                          </p:stCondLst>
+                                        </p:cTn>
+                                        <p:tgtEl>
+                                          <p:spTgt spid="3">
+                                            <p:txEl>
+                                              <p:pRg st="1" end="1"/>
+                                            </p:txEl>
+                                          </p:spTgt>
+                                        </p:tgtEl>
+                                        <p:attrNameLst>
+                                          <p:attrName>style.visibility</p:attrName>
+                                        </p:attrNameLst>
+                                      </p:cBhvr>
+                                      <p:to>
+                                        <p:strVal val="visible"/>
+                                      </p:to>
+                                    </p:set>
+                                    <p:animEffect transition="in" filter="fade">
+                                      <p:cBhvr>
+                                        <p:cTn id="12" dur="500"/>
+                                        <p:tgtEl>
+                                          <p:spTgt spid="3">
+                                            <p:txEl>
+                                              <p:pRg st="1" end="1"/>
+                                            </p:txEl>
+                                          </p:spTgt>
+                                        </p:tgtEl>
+                                      </p:cBhvr>
+                                    </p:animEffect>
+                                  </p:childTnLst>
+                                </p:cTn>
+                              </p:par>
+                            </p:childTnLst>
+                          </p:cTn>
+                        </p:par>
+                      </p:childTnLst>
+                    </p:cTn>
+                  </p:par>
+                </p:childTnLst>
+              </p:cTn>
+              <p:prevCondLst>
+                <p:cond evt="onPrev" delay="0">
+                  <p:tgtEl>
+                    <p:sldTgt/>
+                  </p:tgtEl>
+                </p:cond>
+              </p:prevCondLst>
+              <p:nextCondLst>
+                <p:cond evt="onNext" delay="0">
+                  <p:tgtEl>
+                    <p:sldTgt/>
+                  </p:tgtEl>
+                </p:cond>
+              </p:nextCondLst>
+            </p:seq>
+          </p:childTnLst>
+        </p:cTn>
+      </p:par>
+    </p:tnLst>
+  </p:timing>
 </p:sld>
 </file>
 
 <file path=ppt/slides/slide10.xml><?xml version="1.0" encoding="utf-8"?>
+<p:sld xmlns:a="http://schemas.openxmlformats.org/drawingml/2006/main" xmlns:r="http://schemas.openxmlformats.org/officeDocument/2006/relationships" xmlns:p="http://schemas.openxmlformats.org/presentationml/2006/main">
+  <p:cSld>
+    <p:bg>
+      <p:bgPr>
+        <a:solidFill>
+          <a:schemeClr val="bg1"/>
+        </a:solidFill>
+        <a:effectLst/>
+      </p:bgPr>
+    </p:bg>
+    <p:spTree>
+      <p:nvGrpSpPr>
+        <p:cNvPr id="1" name=""/>
+        <p:cNvGrpSpPr/>
+        <p:nvPr/>
+      </p:nvGrpSpPr>
+      <p:grpSpPr>
+        <a:xfrm>
+          <a:off x="0" y="0"/>
+          <a:ext cx="0" cy="0"/>
+          <a:chOff x="0" y="0"/>
+          <a:chExt cx="0" cy="0"/>
+        </a:xfrm>
+      </p:grpSpPr>
+      <p:sp>
+        <p:nvSpPr>
+          <p:cNvPr id="10" name="Rectangle 9">
+            <a:extLst>
+              <a:ext uri="{FF2B5EF4-FFF2-40B4-BE49-F238E27FC236}">
+                <a16:creationId xmlns:a16="http://schemas.microsoft.com/office/drawing/2014/main" id="{BE95D989-81FA-4BAD-9AD5-E46CEDA91B36}"/>
+              </a:ext>
+            </a:extLst>
+          </p:cNvPr>
+          <p:cNvSpPr>
+            <a:spLocks noGrp="1" noRot="1" noChangeAspect="1" noMove="1" noResize="1" noEditPoints="1" noAdjustHandles="1" noChangeArrowheads="1" noChangeShapeType="1" noTextEdit="1"/>
+          </p:cNvSpPr>
+          <p:nvPr>
+            <p:extLst>
+              <p:ext uri="{386F3935-93C4-4BCD-93E2-E3B085C9AB24}">
+                <p16:designElem xmlns:p16="http://schemas.microsoft.com/office/powerpoint/2015/main" val="1"/>
+              </p:ext>
+            </p:extLst>
+          </p:nvPr>
+        </p:nvSpPr>
+        <p:spPr>
+          <a:xfrm>
+            <a:off x="0" y="0"/>
+            <a:ext cx="4654293" cy="6858000"/>
+          </a:xfrm>
+          <a:prstGeom prst="rect">
+            <a:avLst/>
+          </a:prstGeom>
+          <a:solidFill>
+            <a:schemeClr val="tx1">
+              <a:lumMod val="75000"/>
+              <a:lumOff val="25000"/>
+            </a:schemeClr>
+          </a:solidFill>
+          <a:ln>
+            <a:noFill/>
+          </a:ln>
+        </p:spPr>
+        <p:style>
+          <a:lnRef idx="2">
+            <a:schemeClr val="accent1">
+              <a:shade val="50000"/>
+            </a:schemeClr>
+          </a:lnRef>
+          <a:fillRef idx="1">
+            <a:schemeClr val="accent1"/>
+          </a:fillRef>
+          <a:effectRef idx="0">
+            <a:schemeClr val="accent1"/>
+          </a:effectRef>
+          <a:fontRef idx="minor">
+            <a:schemeClr val="lt1"/>
+          </a:fontRef>
+        </p:style>
+        <p:txBody>
+          <a:bodyPr rtlCol="0" anchor="ctr"/>
+          <a:lstStyle/>
+          <a:p>
+            <a:pPr marL="0" marR="0" lvl="0" indent="0" algn="ctr" defTabSz="914400" rtl="0" eaLnBrk="1" fontAlgn="auto" latinLnBrk="0" hangingPunct="1">
+              <a:lnSpc>
+                <a:spcPct val="100000"/>
+              </a:lnSpc>
+              <a:spcBef>
+                <a:spcPts val="0"/>
+              </a:spcBef>
+              <a:spcAft>
+                <a:spcPts val="0"/>
+              </a:spcAft>
+              <a:buClrTx/>
+              <a:buSzTx/>
+              <a:buFontTx/>
+              <a:buNone/>
+              <a:tabLst/>
+              <a:defRPr/>
+            </a:pPr>
+            <a:endParaRPr kumimoji="0" lang="en-US" sz="1800" b="0" i="0" u="none" strike="noStrike" kern="1200" cap="none" spc="0" normalizeH="0" baseline="0" noProof="0">
+              <a:ln>
+                <a:noFill/>
+              </a:ln>
+              <a:solidFill>
+                <a:prstClr val="white"/>
+              </a:solidFill>
+              <a:effectLst/>
+              <a:uLnTx/>
+              <a:uFillTx/>
+              <a:latin typeface="Calibri" panose="020F0502020204030204"/>
+              <a:ea typeface="+mn-ea"/>
+              <a:cs typeface="+mn-cs"/>
+            </a:endParaRPr>
+          </a:p>
+        </p:txBody>
+      </p:sp>
+      <p:sp>
+        <p:nvSpPr>
+          <p:cNvPr id="12" name="Rectangle 11">
+            <a:extLst>
+              <a:ext uri="{FF2B5EF4-FFF2-40B4-BE49-F238E27FC236}">
+                <a16:creationId xmlns:a16="http://schemas.microsoft.com/office/drawing/2014/main" id="{156189E5-8A3E-4CFD-B71B-CCD0F8495E56}"/>
+              </a:ext>
+            </a:extLst>
+          </p:cNvPr>
+          <p:cNvSpPr>
+            <a:spLocks noGrp="1" noRot="1" noChangeAspect="1" noMove="1" noResize="1" noEditPoints="1" noAdjustHandles="1" noChangeArrowheads="1" noChangeShapeType="1" noTextEdit="1"/>
+          </p:cNvSpPr>
+          <p:nvPr>
+            <p:extLst>
+              <p:ext uri="{386F3935-93C4-4BCD-93E2-E3B085C9AB24}">
+                <p16:designElem xmlns:p16="http://schemas.microsoft.com/office/powerpoint/2015/main" val="1"/>
+              </p:ext>
+            </p:extLst>
+          </p:nvPr>
+        </p:nvSpPr>
+        <p:spPr>
+          <a:xfrm>
+            <a:off x="4654293" y="0"/>
+            <a:ext cx="142074" cy="6858000"/>
+          </a:xfrm>
+          <a:prstGeom prst="rect">
+            <a:avLst/>
+          </a:prstGeom>
+          <a:solidFill>
+            <a:schemeClr val="tx1">
+              <a:alpha val="20000"/>
+            </a:schemeClr>
+          </a:solidFill>
+          <a:ln>
+            <a:noFill/>
+          </a:ln>
+        </p:spPr>
+        <p:style>
+          <a:lnRef idx="2">
+            <a:schemeClr val="accent1">
+              <a:shade val="50000"/>
+            </a:schemeClr>
+          </a:lnRef>
+          <a:fillRef idx="1">
+            <a:schemeClr val="accent1"/>
+          </a:fillRef>
+          <a:effectRef idx="0">
+            <a:schemeClr val="accent1"/>
+          </a:effectRef>
+          <a:fontRef idx="minor">
+            <a:schemeClr val="lt1"/>
+          </a:fontRef>
+        </p:style>
+        <p:txBody>
+          <a:bodyPr rtlCol="0" anchor="ctr"/>
+          <a:lstStyle/>
+          <a:p>
+            <a:pPr marL="0" marR="0" lvl="0" indent="0" algn="ctr" defTabSz="914400" rtl="0" eaLnBrk="1" fontAlgn="auto" latinLnBrk="0" hangingPunct="1">
+              <a:lnSpc>
+                <a:spcPct val="100000"/>
+              </a:lnSpc>
+              <a:spcBef>
+                <a:spcPts val="0"/>
+              </a:spcBef>
+              <a:spcAft>
+                <a:spcPts val="0"/>
+              </a:spcAft>
+              <a:buClrTx/>
+              <a:buSzTx/>
+              <a:buFontTx/>
+              <a:buNone/>
+              <a:tabLst/>
+              <a:defRPr/>
+            </a:pPr>
+            <a:endParaRPr kumimoji="0" lang="en-US" sz="1800" b="0" i="0" u="none" strike="noStrike" kern="1200" cap="none" spc="0" normalizeH="0" baseline="0" noProof="0">
+              <a:ln>
+                <a:noFill/>
+              </a:ln>
+              <a:solidFill>
+                <a:prstClr val="white"/>
+              </a:solidFill>
+              <a:effectLst/>
+              <a:uLnTx/>
+              <a:uFillTx/>
+              <a:latin typeface="Calibri" panose="020F0502020204030204"/>
+              <a:ea typeface="+mn-ea"/>
+              <a:cs typeface="+mn-cs"/>
+            </a:endParaRPr>
+          </a:p>
+        </p:txBody>
+      </p:sp>
+      <p:sp>
+        <p:nvSpPr>
+          <p:cNvPr id="2" name="Title 1">
+            <a:extLst>
+              <a:ext uri="{FF2B5EF4-FFF2-40B4-BE49-F238E27FC236}">
+                <a16:creationId xmlns:a16="http://schemas.microsoft.com/office/drawing/2014/main" id="{A1880AAD-667B-44E6-89D8-3613795BBE11}"/>
+              </a:ext>
+            </a:extLst>
+          </p:cNvPr>
+          <p:cNvSpPr>
+            <a:spLocks noGrp="1"/>
+          </p:cNvSpPr>
+          <p:nvPr>
+            <p:ph type="title"/>
+          </p:nvPr>
+        </p:nvSpPr>
+        <p:spPr>
+          <a:xfrm>
+            <a:off x="838200" y="811161"/>
+            <a:ext cx="3335594" cy="5403370"/>
+          </a:xfrm>
+        </p:spPr>
+        <p:txBody>
+          <a:bodyPr>
+            <a:normAutofit/>
+          </a:bodyPr>
+          <a:lstStyle/>
+          <a:p>
+            <a:r>
+              <a:rPr lang="en-IN">
+                <a:solidFill>
+                  <a:schemeClr val="bg1"/>
+                </a:solidFill>
+              </a:rPr>
+              <a:t>Generating xml data</a:t>
+            </a:r>
+          </a:p>
+        </p:txBody>
+      </p:sp>
+      <p:graphicFrame>
+        <p:nvGraphicFramePr>
+          <p:cNvPr id="5" name="Content Placeholder 2"/>
+          <p:cNvGraphicFramePr>
+            <a:graphicFrameLocks noGrp="1"/>
+          </p:cNvGraphicFramePr>
+          <p:nvPr>
+            <p:ph idx="1"/>
+            <p:extLst>
+              <p:ext uri="{D42A27DB-BD31-4B8C-83A1-F6EECF244321}">
+                <p14:modId xmlns:p14="http://schemas.microsoft.com/office/powerpoint/2010/main" val="1490316449"/>
+              </p:ext>
+            </p:extLst>
+          </p:nvPr>
+        </p:nvGraphicFramePr>
+        <p:xfrm>
+          <a:off x="5459413" y="642938"/>
+          <a:ext cx="6089650" cy="5572125"/>
+        </p:xfrm>
+        <a:graphic>
+          <a:graphicData uri="http://schemas.openxmlformats.org/drawingml/2006/diagram">
+            <dgm:relIds xmlns:dgm="http://schemas.openxmlformats.org/drawingml/2006/diagram" xmlns:r="http://schemas.openxmlformats.org/officeDocument/2006/relationships" r:dm="rId2" r:lo="rId3" r:qs="rId4" r:cs="rId5"/>
+          </a:graphicData>
+        </a:graphic>
+      </p:graphicFrame>
+    </p:spTree>
+    <p:extLst>
+      <p:ext uri="{BB962C8B-B14F-4D97-AF65-F5344CB8AC3E}">
+        <p14:creationId xmlns:p14="http://schemas.microsoft.com/office/powerpoint/2010/main" val="341479689"/>
+      </p:ext>
+    </p:extLst>
+  </p:cSld>
+  <p:clrMapOvr>
+    <a:masterClrMapping/>
+  </p:clrMapOvr>
+</p:sld>
+</file>
+
+<file path=ppt/slides/slide11.xml><?xml version="1.0" encoding="utf-8"?>
 <p:sld xmlns:a="http://schemas.openxmlformats.org/drawingml/2006/main" xmlns:r="http://schemas.openxmlformats.org/officeDocument/2006/relationships" xmlns:p="http://schemas.openxmlformats.org/presentationml/2006/main">
   <p:cSld>
     <p:spTree>
@@ -6185,6 +6844,14 @@
 <file path=ppt/slides/slide2.xml><?xml version="1.0" encoding="utf-8"?>
 <p:sld xmlns:a="http://schemas.openxmlformats.org/drawingml/2006/main" xmlns:r="http://schemas.openxmlformats.org/officeDocument/2006/relationships" xmlns:p="http://schemas.openxmlformats.org/presentationml/2006/main">
   <p:cSld>
+    <p:bg>
+      <p:bgPr>
+        <a:solidFill>
+          <a:schemeClr val="bg1"/>
+        </a:solidFill>
+        <a:effectLst/>
+      </p:bgPr>
+    </p:bg>
     <p:spTree>
       <p:nvGrpSpPr>
         <p:cNvPr id="1" name=""/>
@@ -6201,63 +6868,332 @@
       </p:grpSpPr>
       <p:sp>
         <p:nvSpPr>
-          <p:cNvPr id="2" name="Title 1">
-            <a:extLst>
-              <a:ext uri="{FF2B5EF4-FFF2-40B4-BE49-F238E27FC236}">
-                <a16:creationId xmlns:a16="http://schemas.microsoft.com/office/drawing/2014/main" id="{50C68DE6-781F-4344-9F82-3B28D5282BF8}"/>
+          <p:cNvPr id="16" name="Freeform: Shape 15">
+            <a:extLst>
+              <a:ext uri="{FF2B5EF4-FFF2-40B4-BE49-F238E27FC236}">
+                <a16:creationId xmlns:a16="http://schemas.microsoft.com/office/drawing/2014/main" id="{E25621CF-FD9B-4BC3-9ECC-36CAF62103D0}"/>
               </a:ext>
             </a:extLst>
           </p:cNvPr>
           <p:cNvSpPr>
-            <a:spLocks noGrp="1"/>
+            <a:spLocks noGrp="1" noRot="1" noChangeAspect="1" noMove="1" noResize="1" noEditPoints="1" noAdjustHandles="1" noChangeArrowheads="1" noChangeShapeType="1" noTextEdit="1"/>
           </p:cNvSpPr>
           <p:nvPr>
-            <p:ph type="title"/>
+            <p:extLst>
+              <p:ext uri="{386F3935-93C4-4BCD-93E2-E3B085C9AB24}">
+                <p16:designElem xmlns:p16="http://schemas.microsoft.com/office/powerpoint/2015/main" val="1"/>
+              </p:ext>
+            </p:extLst>
           </p:nvPr>
         </p:nvSpPr>
-        <p:spPr/>
+        <p:spPr>
+          <a:xfrm flipH="1">
+            <a:off x="0" y="0"/>
+            <a:ext cx="6172782" cy="6858000"/>
+          </a:xfrm>
+          <a:custGeom>
+            <a:avLst/>
+            <a:gdLst>
+              <a:gd name="connsiteX0" fmla="*/ 6172782 w 6172782"/>
+              <a:gd name="connsiteY0" fmla="*/ 0 h 6858000"/>
+              <a:gd name="connsiteX1" fmla="*/ 69075 w 6172782"/>
+              <a:gd name="connsiteY1" fmla="*/ 0 h 6858000"/>
+              <a:gd name="connsiteX2" fmla="*/ 35131 w 6172782"/>
+              <a:gd name="connsiteY2" fmla="*/ 267128 h 6858000"/>
+              <a:gd name="connsiteX3" fmla="*/ 0 w 6172782"/>
+              <a:gd name="connsiteY3" fmla="*/ 962845 h 6858000"/>
+              <a:gd name="connsiteX4" fmla="*/ 3276103 w 6172782"/>
+              <a:gd name="connsiteY4" fmla="*/ 6782205 h 6858000"/>
+              <a:gd name="connsiteX5" fmla="*/ 3407923 w 6172782"/>
+              <a:gd name="connsiteY5" fmla="*/ 6858000 h 6858000"/>
+              <a:gd name="connsiteX6" fmla="*/ 6172782 w 6172782"/>
+              <a:gd name="connsiteY6" fmla="*/ 6858000 h 6858000"/>
+            </a:gdLst>
+            <a:ahLst/>
+            <a:cxnLst>
+              <a:cxn ang="0">
+                <a:pos x="connsiteX0" y="connsiteY0"/>
+              </a:cxn>
+              <a:cxn ang="0">
+                <a:pos x="connsiteX1" y="connsiteY1"/>
+              </a:cxn>
+              <a:cxn ang="0">
+                <a:pos x="connsiteX2" y="connsiteY2"/>
+              </a:cxn>
+              <a:cxn ang="0">
+                <a:pos x="connsiteX3" y="connsiteY3"/>
+              </a:cxn>
+              <a:cxn ang="0">
+                <a:pos x="connsiteX4" y="connsiteY4"/>
+              </a:cxn>
+              <a:cxn ang="0">
+                <a:pos x="connsiteX5" y="connsiteY5"/>
+              </a:cxn>
+              <a:cxn ang="0">
+                <a:pos x="connsiteX6" y="connsiteY6"/>
+              </a:cxn>
+            </a:cxnLst>
+            <a:rect l="l" t="t" r="r" b="b"/>
+            <a:pathLst>
+              <a:path w="6172782" h="6858000">
+                <a:moveTo>
+                  <a:pt x="6172782" y="0"/>
+                </a:moveTo>
+                <a:lnTo>
+                  <a:pt x="69075" y="0"/>
+                </a:lnTo>
+                <a:lnTo>
+                  <a:pt x="35131" y="267128"/>
+                </a:lnTo>
+                <a:cubicBezTo>
+                  <a:pt x="11901" y="495874"/>
+                  <a:pt x="0" y="727970"/>
+                  <a:pt x="0" y="962845"/>
+                </a:cubicBezTo>
+                <a:cubicBezTo>
+                  <a:pt x="0" y="3429034"/>
+                  <a:pt x="1312002" y="5588789"/>
+                  <a:pt x="3276103" y="6782205"/>
+                </a:cubicBezTo>
+                <a:lnTo>
+                  <a:pt x="3407923" y="6858000"/>
+                </a:lnTo>
+                <a:lnTo>
+                  <a:pt x="6172782" y="6858000"/>
+                </a:lnTo>
+                <a:close/>
+              </a:path>
+            </a:pathLst>
+          </a:custGeom>
+          <a:solidFill>
+            <a:schemeClr val="tx1">
+              <a:lumMod val="75000"/>
+              <a:lumOff val="25000"/>
+              <a:alpha val="60000"/>
+            </a:schemeClr>
+          </a:solidFill>
+          <a:ln>
+            <a:noFill/>
+          </a:ln>
+        </p:spPr>
+        <p:style>
+          <a:lnRef idx="2">
+            <a:schemeClr val="accent1">
+              <a:shade val="50000"/>
+            </a:schemeClr>
+          </a:lnRef>
+          <a:fillRef idx="1">
+            <a:schemeClr val="accent1"/>
+          </a:fillRef>
+          <a:effectRef idx="0">
+            <a:schemeClr val="accent1"/>
+          </a:effectRef>
+          <a:fontRef idx="minor">
+            <a:schemeClr val="lt1"/>
+          </a:fontRef>
+        </p:style>
         <p:txBody>
-          <a:bodyPr/>
+          <a:bodyPr wrap="square" rtlCol="0" anchor="ctr">
+            <a:noAutofit/>
+          </a:bodyPr>
           <a:lstStyle/>
           <a:p>
-            <a:r>
-              <a:rPr lang="en-IN" dirty="0"/>
-              <a:t>IMDB</a:t>
-            </a:r>
+            <a:pPr marL="0" marR="0" lvl="0" indent="0" algn="ctr" defTabSz="914400" rtl="0" eaLnBrk="1" fontAlgn="auto" latinLnBrk="0" hangingPunct="1">
+              <a:lnSpc>
+                <a:spcPct val="100000"/>
+              </a:lnSpc>
+              <a:spcBef>
+                <a:spcPts val="0"/>
+              </a:spcBef>
+              <a:spcAft>
+                <a:spcPts val="0"/>
+              </a:spcAft>
+              <a:buClrTx/>
+              <a:buSzTx/>
+              <a:buFontTx/>
+              <a:buNone/>
+              <a:tabLst/>
+              <a:defRPr/>
+            </a:pPr>
+            <a:endParaRPr kumimoji="0" lang="en-US" sz="1800" b="0" i="0" u="none" strike="noStrike" kern="1200" cap="none" spc="0" normalizeH="0" baseline="0" noProof="0">
+              <a:ln>
+                <a:noFill/>
+              </a:ln>
+              <a:solidFill>
+                <a:prstClr val="white"/>
+              </a:solidFill>
+              <a:effectLst/>
+              <a:uLnTx/>
+              <a:uFillTx/>
+              <a:latin typeface="Calibri" panose="020F0502020204030204"/>
+              <a:ea typeface="+mn-ea"/>
+              <a:cs typeface="+mn-cs"/>
+            </a:endParaRPr>
           </a:p>
         </p:txBody>
       </p:sp>
       <p:sp>
         <p:nvSpPr>
-          <p:cNvPr id="3" name="Content Placeholder 2">
-            <a:extLst>
-              <a:ext uri="{FF2B5EF4-FFF2-40B4-BE49-F238E27FC236}">
-                <a16:creationId xmlns:a16="http://schemas.microsoft.com/office/drawing/2014/main" id="{5A5AC9A7-6F66-4831-967B-D8F1D1C4DD5D}"/>
+          <p:cNvPr id="18" name="Freeform: Shape 17">
+            <a:extLst>
+              <a:ext uri="{FF2B5EF4-FFF2-40B4-BE49-F238E27FC236}">
+                <a16:creationId xmlns:a16="http://schemas.microsoft.com/office/drawing/2014/main" id="{C80C3A2E-251A-4505-B1B8-C85CBF21F384}"/>
               </a:ext>
             </a:extLst>
           </p:cNvPr>
           <p:cNvSpPr>
-            <a:spLocks noGrp="1"/>
+            <a:spLocks noGrp="1" noRot="1" noChangeAspect="1" noMove="1" noResize="1" noEditPoints="1" noAdjustHandles="1" noChangeArrowheads="1" noChangeShapeType="1" noTextEdit="1"/>
           </p:cNvSpPr>
           <p:nvPr>
-            <p:ph idx="1"/>
+            <p:extLst>
+              <p:ext uri="{386F3935-93C4-4BCD-93E2-E3B085C9AB24}">
+                <p16:designElem xmlns:p16="http://schemas.microsoft.com/office/powerpoint/2015/main" val="1"/>
+              </p:ext>
+            </p:extLst>
           </p:nvPr>
         </p:nvSpPr>
-        <p:spPr/>
+        <p:spPr>
+          <a:xfrm>
+            <a:off x="0" y="0"/>
+            <a:ext cx="6024154" cy="6858000"/>
+          </a:xfrm>
+          <a:custGeom>
+            <a:avLst/>
+            <a:gdLst>
+              <a:gd name="connsiteX0" fmla="*/ 0 w 6024154"/>
+              <a:gd name="connsiteY0" fmla="*/ 0 h 6858000"/>
+              <a:gd name="connsiteX1" fmla="*/ 5953780 w 6024154"/>
+              <a:gd name="connsiteY1" fmla="*/ 0 h 6858000"/>
+              <a:gd name="connsiteX2" fmla="*/ 5989880 w 6024154"/>
+              <a:gd name="connsiteY2" fmla="*/ 284091 h 6858000"/>
+              <a:gd name="connsiteX3" fmla="*/ 6024154 w 6024154"/>
+              <a:gd name="connsiteY3" fmla="*/ 962844 h 6858000"/>
+              <a:gd name="connsiteX4" fmla="*/ 2549934 w 6024154"/>
+              <a:gd name="connsiteY4" fmla="*/ 6800152 h 6858000"/>
+              <a:gd name="connsiteX5" fmla="*/ 2436987 w 6024154"/>
+              <a:gd name="connsiteY5" fmla="*/ 6858000 h 6858000"/>
+              <a:gd name="connsiteX6" fmla="*/ 0 w 6024154"/>
+              <a:gd name="connsiteY6" fmla="*/ 6858000 h 6858000"/>
+            </a:gdLst>
+            <a:ahLst/>
+            <a:cxnLst>
+              <a:cxn ang="0">
+                <a:pos x="connsiteX0" y="connsiteY0"/>
+              </a:cxn>
+              <a:cxn ang="0">
+                <a:pos x="connsiteX1" y="connsiteY1"/>
+              </a:cxn>
+              <a:cxn ang="0">
+                <a:pos x="connsiteX2" y="connsiteY2"/>
+              </a:cxn>
+              <a:cxn ang="0">
+                <a:pos x="connsiteX3" y="connsiteY3"/>
+              </a:cxn>
+              <a:cxn ang="0">
+                <a:pos x="connsiteX4" y="connsiteY4"/>
+              </a:cxn>
+              <a:cxn ang="0">
+                <a:pos x="connsiteX5" y="connsiteY5"/>
+              </a:cxn>
+              <a:cxn ang="0">
+                <a:pos x="connsiteX6" y="connsiteY6"/>
+              </a:cxn>
+            </a:cxnLst>
+            <a:rect l="l" t="t" r="r" b="b"/>
+            <a:pathLst>
+              <a:path w="6024154" h="6858000">
+                <a:moveTo>
+                  <a:pt x="0" y="0"/>
+                </a:moveTo>
+                <a:lnTo>
+                  <a:pt x="5953780" y="0"/>
+                </a:lnTo>
+                <a:lnTo>
+                  <a:pt x="5989880" y="284091"/>
+                </a:lnTo>
+                <a:cubicBezTo>
+                  <a:pt x="6012544" y="507260"/>
+                  <a:pt x="6024154" y="733696"/>
+                  <a:pt x="6024154" y="962844"/>
+                </a:cubicBezTo>
+                <a:cubicBezTo>
+                  <a:pt x="6024154" y="3483472"/>
+                  <a:pt x="4619336" y="5675986"/>
+                  <a:pt x="2549934" y="6800152"/>
+                </a:cubicBezTo>
+                <a:lnTo>
+                  <a:pt x="2436987" y="6858000"/>
+                </a:lnTo>
+                <a:lnTo>
+                  <a:pt x="0" y="6858000"/>
+                </a:lnTo>
+                <a:close/>
+              </a:path>
+            </a:pathLst>
+          </a:custGeom>
+          <a:solidFill>
+            <a:schemeClr val="tx1">
+              <a:lumMod val="75000"/>
+              <a:lumOff val="25000"/>
+            </a:schemeClr>
+          </a:solidFill>
+          <a:ln>
+            <a:noFill/>
+          </a:ln>
+        </p:spPr>
+        <p:style>
+          <a:lnRef idx="2">
+            <a:schemeClr val="accent1">
+              <a:shade val="50000"/>
+            </a:schemeClr>
+          </a:lnRef>
+          <a:fillRef idx="1">
+            <a:schemeClr val="accent1"/>
+          </a:fillRef>
+          <a:effectRef idx="0">
+            <a:schemeClr val="accent1"/>
+          </a:effectRef>
+          <a:fontRef idx="minor">
+            <a:schemeClr val="lt1"/>
+          </a:fontRef>
+        </p:style>
         <p:txBody>
-          <a:bodyPr/>
+          <a:bodyPr wrap="square" rtlCol="0" anchor="ctr">
+            <a:noAutofit/>
+          </a:bodyPr>
           <a:lstStyle/>
           <a:p>
-            <a:r>
-              <a:rPr lang="en-IN" dirty="0"/>
-              <a:t>IMDB contains Movies, Tvshows, Celebs.</a:t>
-            </a:r>
-          </a:p>
-          <a:p>
-            <a:pPr marL="0" indent="0">
+            <a:pPr marL="0" marR="0" lvl="0" indent="0" algn="ctr" defTabSz="914400" rtl="0" eaLnBrk="1" fontAlgn="auto" latinLnBrk="0" hangingPunct="1">
+              <a:lnSpc>
+                <a:spcPct val="100000"/>
+              </a:lnSpc>
+              <a:spcBef>
+                <a:spcPts val="0"/>
+              </a:spcBef>
+              <a:spcAft>
+                <a:spcPts val="0"/>
+              </a:spcAft>
+              <a:buClrTx/>
+              <a:buSzTx/>
+              <a:buFontTx/>
               <a:buNone/>
+              <a:tabLst/>
+              <a:defRPr/>
             </a:pPr>
-            <a:endParaRPr lang="en-IN" dirty="0"/>
+            <a:endParaRPr kumimoji="0" lang="en-US" sz="1800" b="0" i="0" u="none" strike="noStrike" kern="1200" cap="none" spc="0" normalizeH="0" baseline="0" noProof="0">
+              <a:ln>
+                <a:noFill/>
+              </a:ln>
+              <a:solidFill>
+                <a:prstClr val="white"/>
+              </a:solidFill>
+              <a:effectLst/>
+              <a:uLnTx/>
+              <a:uFillTx/>
+              <a:latin typeface="Calibri" panose="020F0502020204030204"/>
+              <a:ea typeface="+mn-ea"/>
+              <a:cs typeface="+mn-cs"/>
+            </a:endParaRPr>
           </a:p>
         </p:txBody>
       </p:sp>
@@ -6289,14 +7225,102 @@
         </p:blipFill>
         <p:spPr>
           <a:xfrm>
-            <a:off x="3607608" y="2495648"/>
-            <a:ext cx="4976784" cy="3997227"/>
+            <a:off x="6828827" y="1767754"/>
+            <a:ext cx="4448774" cy="3570141"/>
           </a:xfrm>
           <a:prstGeom prst="rect">
             <a:avLst/>
           </a:prstGeom>
         </p:spPr>
       </p:pic>
+      <p:sp>
+        <p:nvSpPr>
+          <p:cNvPr id="2" name="Title 1">
+            <a:extLst>
+              <a:ext uri="{FF2B5EF4-FFF2-40B4-BE49-F238E27FC236}">
+                <a16:creationId xmlns:a16="http://schemas.microsoft.com/office/drawing/2014/main" id="{50C68DE6-781F-4344-9F82-3B28D5282BF8}"/>
+              </a:ext>
+            </a:extLst>
+          </p:cNvPr>
+          <p:cNvSpPr>
+            <a:spLocks noGrp="1"/>
+          </p:cNvSpPr>
+          <p:nvPr>
+            <p:ph type="title"/>
+          </p:nvPr>
+        </p:nvSpPr>
+        <p:spPr>
+          <a:xfrm>
+            <a:off x="750242" y="632990"/>
+            <a:ext cx="4062643" cy="1043409"/>
+          </a:xfrm>
+        </p:spPr>
+        <p:txBody>
+          <a:bodyPr>
+            <a:normAutofit/>
+          </a:bodyPr>
+          <a:lstStyle/>
+          <a:p>
+            <a:r>
+              <a:rPr lang="en-IN" sz="3600">
+                <a:solidFill>
+                  <a:schemeClr val="bg1"/>
+                </a:solidFill>
+              </a:rPr>
+              <a:t>IMDB</a:t>
+            </a:r>
+          </a:p>
+        </p:txBody>
+      </p:sp>
+      <p:sp>
+        <p:nvSpPr>
+          <p:cNvPr id="3" name="Content Placeholder 2">
+            <a:extLst>
+              <a:ext uri="{FF2B5EF4-FFF2-40B4-BE49-F238E27FC236}">
+                <a16:creationId xmlns:a16="http://schemas.microsoft.com/office/drawing/2014/main" id="{5A5AC9A7-6F66-4831-967B-D8F1D1C4DD5D}"/>
+              </a:ext>
+            </a:extLst>
+          </p:cNvPr>
+          <p:cNvSpPr>
+            <a:spLocks noGrp="1"/>
+          </p:cNvSpPr>
+          <p:nvPr>
+            <p:ph idx="1"/>
+          </p:nvPr>
+        </p:nvSpPr>
+        <p:spPr>
+          <a:xfrm>
+            <a:off x="750243" y="1774371"/>
+            <a:ext cx="3821758" cy="3197679"/>
+          </a:xfrm>
+        </p:spPr>
+        <p:txBody>
+          <a:bodyPr anchor="t">
+            <a:normAutofit/>
+          </a:bodyPr>
+          <a:lstStyle/>
+          <a:p>
+            <a:r>
+              <a:rPr lang="en-IN" sz="1800">
+                <a:solidFill>
+                  <a:schemeClr val="bg1"/>
+                </a:solidFill>
+              </a:rPr>
+              <a:t>IMDB contains Movies, Tvshows, Celebs.</a:t>
+            </a:r>
+          </a:p>
+          <a:p>
+            <a:pPr marL="0" indent="0">
+              <a:buNone/>
+            </a:pPr>
+            <a:endParaRPr lang="en-IN" sz="1800">
+              <a:solidFill>
+                <a:schemeClr val="bg1"/>
+              </a:solidFill>
+            </a:endParaRPr>
+          </a:p>
+        </p:txBody>
+      </p:sp>
     </p:spTree>
     <p:extLst>
       <p:ext uri="{BB962C8B-B14F-4D97-AF65-F5344CB8AC3E}">
@@ -6307,12 +7331,149 @@
   <p:clrMapOvr>
     <a:masterClrMapping/>
   </p:clrMapOvr>
+  <p:timing>
+    <p:tnLst>
+      <p:par>
+        <p:cTn id="1" dur="indefinite" restart="never" nodeType="tmRoot">
+          <p:childTnLst>
+            <p:seq concurrent="1" nextAc="seek">
+              <p:cTn id="2" dur="indefinite" nodeType="mainSeq">
+                <p:childTnLst>
+                  <p:par>
+                    <p:cTn id="3" fill="hold">
+                      <p:stCondLst>
+                        <p:cond delay="indefinite"/>
+                      </p:stCondLst>
+                      <p:childTnLst>
+                        <p:par>
+                          <p:cTn id="4" fill="hold">
+                            <p:stCondLst>
+                              <p:cond delay="0"/>
+                            </p:stCondLst>
+                            <p:childTnLst>
+                              <p:par>
+                                <p:cTn id="5" presetID="10" presetClass="entr" presetSubtype="0" fill="hold" nodeType="clickEffect">
+                                  <p:stCondLst>
+                                    <p:cond delay="0"/>
+                                  </p:stCondLst>
+                                  <p:childTnLst>
+                                    <p:set>
+                                      <p:cBhvr>
+                                        <p:cTn id="6" dur="1" fill="hold">
+                                          <p:stCondLst>
+                                            <p:cond delay="0"/>
+                                          </p:stCondLst>
+                                        </p:cTn>
+                                        <p:tgtEl>
+                                          <p:spTgt spid="4"/>
+                                        </p:tgtEl>
+                                        <p:attrNameLst>
+                                          <p:attrName>style.visibility</p:attrName>
+                                        </p:attrNameLst>
+                                      </p:cBhvr>
+                                      <p:to>
+                                        <p:strVal val="visible"/>
+                                      </p:to>
+                                    </p:set>
+                                    <p:animEffect transition="in" filter="fade">
+                                      <p:cBhvr>
+                                        <p:cTn id="7" dur="500"/>
+                                        <p:tgtEl>
+                                          <p:spTgt spid="4"/>
+                                        </p:tgtEl>
+                                      </p:cBhvr>
+                                    </p:animEffect>
+                                  </p:childTnLst>
+                                </p:cTn>
+                              </p:par>
+                              <p:par>
+                                <p:cTn id="8" presetID="10" presetClass="entr" presetSubtype="0" fill="hold" grpId="0" nodeType="withEffect">
+                                  <p:stCondLst>
+                                    <p:cond delay="0"/>
+                                  </p:stCondLst>
+                                  <p:childTnLst>
+                                    <p:set>
+                                      <p:cBhvr>
+                                        <p:cTn id="9" dur="1" fill="hold">
+                                          <p:stCondLst>
+                                            <p:cond delay="0"/>
+                                          </p:stCondLst>
+                                        </p:cTn>
+                                        <p:tgtEl>
+                                          <p:spTgt spid="3">
+                                            <p:txEl>
+                                              <p:pRg st="0" end="0"/>
+                                            </p:txEl>
+                                          </p:spTgt>
+                                        </p:tgtEl>
+                                        <p:attrNameLst>
+                                          <p:attrName>style.visibility</p:attrName>
+                                        </p:attrNameLst>
+                                      </p:cBhvr>
+                                      <p:to>
+                                        <p:strVal val="visible"/>
+                                      </p:to>
+                                    </p:set>
+                                    <p:animEffect transition="in" filter="fade">
+                                      <p:cBhvr>
+                                        <p:cTn id="10" dur="500"/>
+                                        <p:tgtEl>
+                                          <p:spTgt spid="3">
+                                            <p:txEl>
+                                              <p:pRg st="0" end="0"/>
+                                            </p:txEl>
+                                          </p:spTgt>
+                                        </p:tgtEl>
+                                      </p:cBhvr>
+                                    </p:animEffect>
+                                  </p:childTnLst>
+                                </p:cTn>
+                              </p:par>
+                            </p:childTnLst>
+                          </p:cTn>
+                        </p:par>
+                      </p:childTnLst>
+                    </p:cTn>
+                  </p:par>
+                </p:childTnLst>
+              </p:cTn>
+              <p:prevCondLst>
+                <p:cond evt="onPrev" delay="0">
+                  <p:tgtEl>
+                    <p:sldTgt/>
+                  </p:tgtEl>
+                </p:cond>
+              </p:prevCondLst>
+              <p:nextCondLst>
+                <p:cond evt="onNext" delay="0">
+                  <p:tgtEl>
+                    <p:sldTgt/>
+                  </p:tgtEl>
+                </p:cond>
+              </p:nextCondLst>
+            </p:seq>
+          </p:childTnLst>
+        </p:cTn>
+      </p:par>
+    </p:tnLst>
+    <p:bldLst>
+      <p:bldP spid="3" grpId="0" build="p"/>
+    </p:bldLst>
+  </p:timing>
 </p:sld>
 </file>
 
 <file path=ppt/slides/slide3.xml><?xml version="1.0" encoding="utf-8"?>
 <p:sld xmlns:a="http://schemas.openxmlformats.org/drawingml/2006/main" xmlns:r="http://schemas.openxmlformats.org/officeDocument/2006/relationships" xmlns:p="http://schemas.openxmlformats.org/presentationml/2006/main">
   <p:cSld>
+    <p:bg>
+      <p:bgPr>
+        <a:solidFill>
+          <a:schemeClr val="bg1"/>
+        </a:solidFill>
+        <a:effectLst/>
+      </p:bgPr>
+    </p:bg>
     <p:spTree>
       <p:nvGrpSpPr>
         <p:cNvPr id="1" name=""/>
@@ -6329,89 +7490,380 @@
       </p:grpSpPr>
       <p:sp>
         <p:nvSpPr>
-          <p:cNvPr id="2" name="Title 1">
-            <a:extLst>
-              <a:ext uri="{FF2B5EF4-FFF2-40B4-BE49-F238E27FC236}">
-                <a16:creationId xmlns:a16="http://schemas.microsoft.com/office/drawing/2014/main" id="{1773ADF6-A719-4B29-B4BA-F6BC766B7C02}"/>
+          <p:cNvPr id="9" name="Freeform: Shape 8">
+            <a:extLst>
+              <a:ext uri="{FF2B5EF4-FFF2-40B4-BE49-F238E27FC236}">
+                <a16:creationId xmlns:a16="http://schemas.microsoft.com/office/drawing/2014/main" id="{F60FCA6E-0894-46CD-BD49-5955A51E0084}"/>
               </a:ext>
             </a:extLst>
           </p:cNvPr>
           <p:cNvSpPr>
-            <a:spLocks noGrp="1"/>
+            <a:spLocks noGrp="1" noRot="1" noChangeAspect="1" noMove="1" noResize="1" noEditPoints="1" noAdjustHandles="1" noChangeArrowheads="1" noChangeShapeType="1" noTextEdit="1"/>
           </p:cNvSpPr>
           <p:nvPr>
-            <p:ph type="title"/>
+            <p:extLst>
+              <p:ext uri="{386F3935-93C4-4BCD-93E2-E3B085C9AB24}">
+                <p16:designElem xmlns:p16="http://schemas.microsoft.com/office/powerpoint/2015/main" val="1"/>
+              </p:ext>
+            </p:extLst>
           </p:nvPr>
         </p:nvSpPr>
         <p:spPr>
           <a:xfrm>
-            <a:off x="838200" y="365125"/>
-            <a:ext cx="10515600" cy="1325563"/>
+            <a:off x="6831955" y="5346696"/>
+            <a:ext cx="5360045" cy="1511304"/>
           </a:xfrm>
+          <a:custGeom>
+            <a:avLst/>
+            <a:gdLst>
+              <a:gd name="connsiteX0" fmla="*/ 4545473 w 5360045"/>
+              <a:gd name="connsiteY0" fmla="*/ 0 h 1511304"/>
+              <a:gd name="connsiteX1" fmla="*/ 5360045 w 5360045"/>
+              <a:gd name="connsiteY1" fmla="*/ 0 h 1511304"/>
+              <a:gd name="connsiteX2" fmla="*/ 5360045 w 5360045"/>
+              <a:gd name="connsiteY2" fmla="*/ 1046730 h 1511304"/>
+              <a:gd name="connsiteX3" fmla="*/ 5360045 w 5360045"/>
+              <a:gd name="connsiteY3" fmla="*/ 1508760 h 1511304"/>
+              <a:gd name="connsiteX4" fmla="*/ 5360045 w 5360045"/>
+              <a:gd name="connsiteY4" fmla="*/ 1511304 h 1511304"/>
+              <a:gd name="connsiteX5" fmla="*/ 4545474 w 5360045"/>
+              <a:gd name="connsiteY5" fmla="*/ 1511304 h 1511304"/>
+              <a:gd name="connsiteX6" fmla="*/ 2525897 w 5360045"/>
+              <a:gd name="connsiteY6" fmla="*/ 1511304 h 1511304"/>
+              <a:gd name="connsiteX7" fmla="*/ 0 w 5360045"/>
+              <a:gd name="connsiteY7" fmla="*/ 1511304 h 1511304"/>
+              <a:gd name="connsiteX8" fmla="*/ 697617 w 5360045"/>
+              <a:gd name="connsiteY8" fmla="*/ 3 h 1511304"/>
+              <a:gd name="connsiteX9" fmla="*/ 4545473 w 5360045"/>
+              <a:gd name="connsiteY9" fmla="*/ 3 h 1511304"/>
+            </a:gdLst>
+            <a:ahLst/>
+            <a:cxnLst>
+              <a:cxn ang="0">
+                <a:pos x="connsiteX0" y="connsiteY0"/>
+              </a:cxn>
+              <a:cxn ang="0">
+                <a:pos x="connsiteX1" y="connsiteY1"/>
+              </a:cxn>
+              <a:cxn ang="0">
+                <a:pos x="connsiteX2" y="connsiteY2"/>
+              </a:cxn>
+              <a:cxn ang="0">
+                <a:pos x="connsiteX3" y="connsiteY3"/>
+              </a:cxn>
+              <a:cxn ang="0">
+                <a:pos x="connsiteX4" y="connsiteY4"/>
+              </a:cxn>
+              <a:cxn ang="0">
+                <a:pos x="connsiteX5" y="connsiteY5"/>
+              </a:cxn>
+              <a:cxn ang="0">
+                <a:pos x="connsiteX6" y="connsiteY6"/>
+              </a:cxn>
+              <a:cxn ang="0">
+                <a:pos x="connsiteX7" y="connsiteY7"/>
+              </a:cxn>
+              <a:cxn ang="0">
+                <a:pos x="connsiteX8" y="connsiteY8"/>
+              </a:cxn>
+              <a:cxn ang="0">
+                <a:pos x="connsiteX9" y="connsiteY9"/>
+              </a:cxn>
+            </a:cxnLst>
+            <a:rect l="l" t="t" r="r" b="b"/>
+            <a:pathLst>
+              <a:path w="5360045" h="1511304">
+                <a:moveTo>
+                  <a:pt x="4545473" y="0"/>
+                </a:moveTo>
+                <a:lnTo>
+                  <a:pt x="5360045" y="0"/>
+                </a:lnTo>
+                <a:lnTo>
+                  <a:pt x="5360045" y="1046730"/>
+                </a:lnTo>
+                <a:lnTo>
+                  <a:pt x="5360045" y="1508760"/>
+                </a:lnTo>
+                <a:lnTo>
+                  <a:pt x="5360045" y="1511304"/>
+                </a:lnTo>
+                <a:lnTo>
+                  <a:pt x="4545474" y="1511304"/>
+                </a:lnTo>
+                <a:lnTo>
+                  <a:pt x="2525897" y="1511304"/>
+                </a:lnTo>
+                <a:lnTo>
+                  <a:pt x="0" y="1511304"/>
+                </a:lnTo>
+                <a:lnTo>
+                  <a:pt x="697617" y="3"/>
+                </a:lnTo>
+                <a:lnTo>
+                  <a:pt x="4545473" y="3"/>
+                </a:lnTo>
+                <a:close/>
+              </a:path>
+            </a:pathLst>
+          </a:custGeom>
+          <a:solidFill>
+            <a:schemeClr val="tx1">
+              <a:alpha val="85000"/>
+            </a:schemeClr>
+          </a:solidFill>
+          <a:ln>
+            <a:noFill/>
+          </a:ln>
         </p:spPr>
+        <p:style>
+          <a:lnRef idx="2">
+            <a:schemeClr val="accent1">
+              <a:shade val="50000"/>
+            </a:schemeClr>
+          </a:lnRef>
+          <a:fillRef idx="1">
+            <a:schemeClr val="accent1"/>
+          </a:fillRef>
+          <a:effectRef idx="0">
+            <a:schemeClr val="accent1"/>
+          </a:effectRef>
+          <a:fontRef idx="minor">
+            <a:schemeClr val="lt1"/>
+          </a:fontRef>
+        </p:style>
         <p:txBody>
-          <a:bodyPr/>
+          <a:bodyPr wrap="square" rtlCol="0" anchor="ctr">
+            <a:noAutofit/>
+          </a:bodyPr>
           <a:lstStyle/>
           <a:p>
-            <a:r>
-              <a:rPr lang="en-IN" dirty="0"/>
-              <a:t>Movie</a:t>
-            </a:r>
+            <a:pPr algn="ctr"/>
+            <a:endParaRPr lang="en-US"/>
           </a:p>
         </p:txBody>
       </p:sp>
       <p:sp>
         <p:nvSpPr>
-          <p:cNvPr id="3" name="Content Placeholder 2">
-            <a:extLst>
-              <a:ext uri="{FF2B5EF4-FFF2-40B4-BE49-F238E27FC236}">
-                <a16:creationId xmlns:a16="http://schemas.microsoft.com/office/drawing/2014/main" id="{C7F2041A-C1CD-4B0B-AAD6-78A1138C0E89}"/>
+          <p:cNvPr id="11" name="Freeform: Shape 10">
+            <a:extLst>
+              <a:ext uri="{FF2B5EF4-FFF2-40B4-BE49-F238E27FC236}">
+                <a16:creationId xmlns:a16="http://schemas.microsoft.com/office/drawing/2014/main" id="{E78C6E4B-A1F1-4B6C-97EC-BE997495D6AC}"/>
               </a:ext>
             </a:extLst>
           </p:cNvPr>
           <p:cNvSpPr>
-            <a:spLocks noGrp="1"/>
+            <a:spLocks noGrp="1" noRot="1" noChangeAspect="1" noMove="1" noResize="1" noEditPoints="1" noAdjustHandles="1" noChangeArrowheads="1" noChangeShapeType="1" noTextEdit="1"/>
           </p:cNvSpPr>
           <p:nvPr>
-            <p:ph idx="1"/>
+            <p:extLst>
+              <p:ext uri="{386F3935-93C4-4BCD-93E2-E3B085C9AB24}">
+                <p16:designElem xmlns:p16="http://schemas.microsoft.com/office/powerpoint/2015/main" val="1"/>
+              </p:ext>
+            </p:extLst>
           </p:nvPr>
         </p:nvSpPr>
         <p:spPr>
           <a:xfrm>
-            <a:off x="838200" y="1825625"/>
-            <a:ext cx="10515600" cy="4351338"/>
+            <a:off x="0" y="5346694"/>
+            <a:ext cx="7346605" cy="1511306"/>
           </a:xfrm>
+          <a:custGeom>
+            <a:avLst/>
+            <a:gdLst>
+              <a:gd name="connsiteX0" fmla="*/ 0 w 7346605"/>
+              <a:gd name="connsiteY0" fmla="*/ 0 h 1511306"/>
+              <a:gd name="connsiteX1" fmla="*/ 239486 w 7346605"/>
+              <a:gd name="connsiteY1" fmla="*/ 0 h 1511306"/>
+              <a:gd name="connsiteX2" fmla="*/ 1209568 w 7346605"/>
+              <a:gd name="connsiteY2" fmla="*/ 0 h 1511306"/>
+              <a:gd name="connsiteX3" fmla="*/ 2405743 w 7346605"/>
+              <a:gd name="connsiteY3" fmla="*/ 0 h 1511306"/>
+              <a:gd name="connsiteX4" fmla="*/ 2405743 w 7346605"/>
+              <a:gd name="connsiteY4" fmla="*/ 2544 h 1511306"/>
+              <a:gd name="connsiteX5" fmla="*/ 2801131 w 7346605"/>
+              <a:gd name="connsiteY5" fmla="*/ 2544 h 1511306"/>
+              <a:gd name="connsiteX6" fmla="*/ 2801131 w 7346605"/>
+              <a:gd name="connsiteY6" fmla="*/ 0 h 1511306"/>
+              <a:gd name="connsiteX7" fmla="*/ 7346605 w 7346605"/>
+              <a:gd name="connsiteY7" fmla="*/ 0 h 1511306"/>
+              <a:gd name="connsiteX8" fmla="*/ 6648988 w 7346605"/>
+              <a:gd name="connsiteY8" fmla="*/ 1511301 h 1511306"/>
+              <a:gd name="connsiteX9" fmla="*/ 2801132 w 7346605"/>
+              <a:gd name="connsiteY9" fmla="*/ 1511301 h 1511306"/>
+              <a:gd name="connsiteX10" fmla="*/ 2801132 w 7346605"/>
+              <a:gd name="connsiteY10" fmla="*/ 1511304 h 1511306"/>
+              <a:gd name="connsiteX11" fmla="*/ 2405743 w 7346605"/>
+              <a:gd name="connsiteY11" fmla="*/ 1511304 h 1511306"/>
+              <a:gd name="connsiteX12" fmla="*/ 2405743 w 7346605"/>
+              <a:gd name="connsiteY12" fmla="*/ 1511306 h 1511306"/>
+              <a:gd name="connsiteX13" fmla="*/ 1333411 w 7346605"/>
+              <a:gd name="connsiteY13" fmla="*/ 1511306 h 1511306"/>
+              <a:gd name="connsiteX14" fmla="*/ 1219208 w 7346605"/>
+              <a:gd name="connsiteY14" fmla="*/ 1511306 h 1511306"/>
+              <a:gd name="connsiteX15" fmla="*/ 1209568 w 7346605"/>
+              <a:gd name="connsiteY15" fmla="*/ 1511306 h 1511306"/>
+              <a:gd name="connsiteX16" fmla="*/ 239486 w 7346605"/>
+              <a:gd name="connsiteY16" fmla="*/ 1511306 h 1511306"/>
+              <a:gd name="connsiteX17" fmla="*/ 0 w 7346605"/>
+              <a:gd name="connsiteY17" fmla="*/ 1511306 h 1511306"/>
+            </a:gdLst>
+            <a:ahLst/>
+            <a:cxnLst>
+              <a:cxn ang="0">
+                <a:pos x="connsiteX0" y="connsiteY0"/>
+              </a:cxn>
+              <a:cxn ang="0">
+                <a:pos x="connsiteX1" y="connsiteY1"/>
+              </a:cxn>
+              <a:cxn ang="0">
+                <a:pos x="connsiteX2" y="connsiteY2"/>
+              </a:cxn>
+              <a:cxn ang="0">
+                <a:pos x="connsiteX3" y="connsiteY3"/>
+              </a:cxn>
+              <a:cxn ang="0">
+                <a:pos x="connsiteX4" y="connsiteY4"/>
+              </a:cxn>
+              <a:cxn ang="0">
+                <a:pos x="connsiteX5" y="connsiteY5"/>
+              </a:cxn>
+              <a:cxn ang="0">
+                <a:pos x="connsiteX6" y="connsiteY6"/>
+              </a:cxn>
+              <a:cxn ang="0">
+                <a:pos x="connsiteX7" y="connsiteY7"/>
+              </a:cxn>
+              <a:cxn ang="0">
+                <a:pos x="connsiteX8" y="connsiteY8"/>
+              </a:cxn>
+              <a:cxn ang="0">
+                <a:pos x="connsiteX9" y="connsiteY9"/>
+              </a:cxn>
+              <a:cxn ang="0">
+                <a:pos x="connsiteX10" y="connsiteY10"/>
+              </a:cxn>
+              <a:cxn ang="0">
+                <a:pos x="connsiteX11" y="connsiteY11"/>
+              </a:cxn>
+              <a:cxn ang="0">
+                <a:pos x="connsiteX12" y="connsiteY12"/>
+              </a:cxn>
+              <a:cxn ang="0">
+                <a:pos x="connsiteX13" y="connsiteY13"/>
+              </a:cxn>
+              <a:cxn ang="0">
+                <a:pos x="connsiteX14" y="connsiteY14"/>
+              </a:cxn>
+              <a:cxn ang="0">
+                <a:pos x="connsiteX15" y="connsiteY15"/>
+              </a:cxn>
+              <a:cxn ang="0">
+                <a:pos x="connsiteX16" y="connsiteY16"/>
+              </a:cxn>
+              <a:cxn ang="0">
+                <a:pos x="connsiteX17" y="connsiteY17"/>
+              </a:cxn>
+            </a:cxnLst>
+            <a:rect l="l" t="t" r="r" b="b"/>
+            <a:pathLst>
+              <a:path w="7346605" h="1511306">
+                <a:moveTo>
+                  <a:pt x="0" y="0"/>
+                </a:moveTo>
+                <a:lnTo>
+                  <a:pt x="239486" y="0"/>
+                </a:lnTo>
+                <a:lnTo>
+                  <a:pt x="1209568" y="0"/>
+                </a:lnTo>
+                <a:lnTo>
+                  <a:pt x="2405743" y="0"/>
+                </a:lnTo>
+                <a:lnTo>
+                  <a:pt x="2405743" y="2544"/>
+                </a:lnTo>
+                <a:lnTo>
+                  <a:pt x="2801131" y="2544"/>
+                </a:lnTo>
+                <a:lnTo>
+                  <a:pt x="2801131" y="0"/>
+                </a:lnTo>
+                <a:lnTo>
+                  <a:pt x="7346605" y="0"/>
+                </a:lnTo>
+                <a:lnTo>
+                  <a:pt x="6648988" y="1511301"/>
+                </a:lnTo>
+                <a:lnTo>
+                  <a:pt x="2801132" y="1511301"/>
+                </a:lnTo>
+                <a:lnTo>
+                  <a:pt x="2801132" y="1511304"/>
+                </a:lnTo>
+                <a:lnTo>
+                  <a:pt x="2405743" y="1511304"/>
+                </a:lnTo>
+                <a:lnTo>
+                  <a:pt x="2405743" y="1511306"/>
+                </a:lnTo>
+                <a:lnTo>
+                  <a:pt x="1333411" y="1511306"/>
+                </a:lnTo>
+                <a:lnTo>
+                  <a:pt x="1219208" y="1511306"/>
+                </a:lnTo>
+                <a:lnTo>
+                  <a:pt x="1209568" y="1511306"/>
+                </a:lnTo>
+                <a:lnTo>
+                  <a:pt x="239486" y="1511306"/>
+                </a:lnTo>
+                <a:lnTo>
+                  <a:pt x="0" y="1511306"/>
+                </a:lnTo>
+                <a:close/>
+              </a:path>
+            </a:pathLst>
+          </a:custGeom>
+          <a:solidFill>
+            <a:schemeClr val="bg2"/>
+          </a:solidFill>
+          <a:ln>
+            <a:noFill/>
+          </a:ln>
         </p:spPr>
+        <p:style>
+          <a:lnRef idx="2">
+            <a:schemeClr val="accent1">
+              <a:shade val="50000"/>
+            </a:schemeClr>
+          </a:lnRef>
+          <a:fillRef idx="1">
+            <a:schemeClr val="accent1"/>
+          </a:fillRef>
+          <a:effectRef idx="0">
+            <a:schemeClr val="accent1"/>
+          </a:effectRef>
+          <a:fontRef idx="minor">
+            <a:schemeClr val="lt1"/>
+          </a:fontRef>
+        </p:style>
         <p:txBody>
-          <a:bodyPr/>
+          <a:bodyPr rtlCol="0" anchor="ctr"/>
           <a:lstStyle/>
           <a:p>
-            <a:pPr>
-              <a:buFontTx/>
-              <a:buChar char="-"/>
-            </a:pPr>
-            <a:r>
-              <a:rPr lang="en-IN"/>
-              <a:t>Movie contains, Title, Crew, Genres, Description, Rating, ID.</a:t>
-            </a:r>
-          </a:p>
-          <a:p>
-            <a:pPr marL="0" indent="0">
-              <a:buNone/>
-            </a:pPr>
-            <a:endParaRPr lang="en-IN"/>
-          </a:p>
-          <a:p>
-            <a:endParaRPr lang="en-IN" dirty="0"/>
+            <a:pPr algn="ctr"/>
+            <a:endParaRPr lang="en-US"/>
           </a:p>
         </p:txBody>
       </p:sp>
       <p:pic>
         <p:nvPicPr>
-          <p:cNvPr id="5" name="Graphic 4">
-            <a:extLst>
-              <a:ext uri="{FF2B5EF4-FFF2-40B4-BE49-F238E27FC236}">
-                <a16:creationId xmlns:a16="http://schemas.microsoft.com/office/drawing/2014/main" id="{9FBD6D1F-F172-46DE-9C8D-F02C62DCFB46}"/>
+          <p:cNvPr id="4" name="Graphic 3">
+            <a:extLst>
+              <a:ext uri="{FF2B5EF4-FFF2-40B4-BE49-F238E27FC236}">
+                <a16:creationId xmlns:a16="http://schemas.microsoft.com/office/drawing/2014/main" id="{79538C18-820D-487D-9613-1E5300AB2E95}"/>
               </a:ext>
             </a:extLst>
           </p:cNvPr>
@@ -6434,14 +7886,97 @@
         </p:blipFill>
         <p:spPr>
           <a:xfrm>
-            <a:off x="776429" y="2391508"/>
-            <a:ext cx="10577371" cy="3920392"/>
+            <a:off x="84430" y="560832"/>
+            <a:ext cx="8376225" cy="4497977"/>
           </a:xfrm>
           <a:prstGeom prst="rect">
             <a:avLst/>
           </a:prstGeom>
         </p:spPr>
       </p:pic>
+      <p:sp>
+        <p:nvSpPr>
+          <p:cNvPr id="2" name="Title 1">
+            <a:extLst>
+              <a:ext uri="{FF2B5EF4-FFF2-40B4-BE49-F238E27FC236}">
+                <a16:creationId xmlns:a16="http://schemas.microsoft.com/office/drawing/2014/main" id="{1773ADF6-A719-4B29-B4BA-F6BC766B7C02}"/>
+              </a:ext>
+            </a:extLst>
+          </p:cNvPr>
+          <p:cNvSpPr>
+            <a:spLocks noGrp="1"/>
+          </p:cNvSpPr>
+          <p:nvPr>
+            <p:ph type="title"/>
+          </p:nvPr>
+        </p:nvSpPr>
+        <p:spPr>
+          <a:xfrm>
+            <a:off x="950121" y="5529884"/>
+            <a:ext cx="5693783" cy="1096331"/>
+          </a:xfrm>
+        </p:spPr>
+        <p:txBody>
+          <a:bodyPr>
+            <a:normAutofit/>
+          </a:bodyPr>
+          <a:lstStyle/>
+          <a:p>
+            <a:r>
+              <a:rPr lang="en-IN" sz="4000"/>
+              <a:t>Movie</a:t>
+            </a:r>
+          </a:p>
+        </p:txBody>
+      </p:sp>
+      <p:sp>
+        <p:nvSpPr>
+          <p:cNvPr id="3" name="Content Placeholder 2">
+            <a:extLst>
+              <a:ext uri="{FF2B5EF4-FFF2-40B4-BE49-F238E27FC236}">
+                <a16:creationId xmlns:a16="http://schemas.microsoft.com/office/drawing/2014/main" id="{C7F2041A-C1CD-4B0B-AAD6-78A1138C0E89}"/>
+              </a:ext>
+            </a:extLst>
+          </p:cNvPr>
+          <p:cNvSpPr>
+            <a:spLocks noGrp="1"/>
+          </p:cNvSpPr>
+          <p:nvPr>
+            <p:ph idx="1"/>
+          </p:nvPr>
+        </p:nvSpPr>
+        <p:spPr>
+          <a:xfrm>
+            <a:off x="8510015" y="1038351"/>
+            <a:ext cx="4008101" cy="4020458"/>
+          </a:xfrm>
+        </p:spPr>
+        <p:txBody>
+          <a:bodyPr anchor="ctr">
+            <a:normAutofit/>
+          </a:bodyPr>
+          <a:lstStyle/>
+          <a:p>
+            <a:pPr>
+              <a:buFontTx/>
+              <a:buChar char="-"/>
+            </a:pPr>
+            <a:r>
+              <a:rPr lang="en-IN" sz="2000" dirty="0"/>
+              <a:t>Movie contains, Title, Crew, Genres, Description, Rating, ID.</a:t>
+            </a:r>
+          </a:p>
+          <a:p>
+            <a:pPr marL="0" indent="0">
+              <a:buNone/>
+            </a:pPr>
+            <a:endParaRPr lang="en-IN" sz="2000" dirty="0"/>
+          </a:p>
+          <a:p>
+            <a:endParaRPr lang="en-IN" sz="2000" dirty="0"/>
+          </a:p>
+        </p:txBody>
+      </p:sp>
     </p:spTree>
     <p:extLst>
       <p:ext uri="{BB962C8B-B14F-4D97-AF65-F5344CB8AC3E}">
@@ -6452,6 +7987,18 @@
   <p:clrMapOvr>
     <a:masterClrMapping/>
   </p:clrMapOvr>
+  <mc:AlternateContent xmlns:mc="http://schemas.openxmlformats.org/markup-compatibility/2006">
+    <mc:Choice xmlns:p14="http://schemas.microsoft.com/office/powerpoint/2010/main" Requires="p14">
+      <p:transition spd="slow">
+        <p14:reveal/>
+      </p:transition>
+    </mc:Choice>
+    <mc:Fallback>
+      <p:transition spd="slow">
+        <p:fade/>
+      </p:transition>
+    </mc:Fallback>
+  </mc:AlternateContent>
 </p:sld>
 </file>
 
@@ -6532,7 +8079,7 @@
           <a:lstStyle/>
           <a:p>
             <a:r>
-              <a:rPr lang="en-IN"/>
+              <a:rPr lang="en-IN" dirty="0"/>
               <a:t>Tvshow contains, Title, Crew, Genres, Seasons, Description, Rating, ID.</a:t>
             </a:r>
           </a:p>
@@ -6812,15 +8359,21 @@
             <p:ph type="title"/>
           </p:nvPr>
         </p:nvSpPr>
-        <p:spPr/>
+        <p:spPr>
+          <a:xfrm>
+            <a:off x="838200" y="365125"/>
+            <a:ext cx="10515600" cy="1325563"/>
+          </a:xfrm>
+        </p:spPr>
         <p:txBody>
           <a:bodyPr/>
           <a:lstStyle/>
           <a:p>
             <a:r>
-              <a:rPr lang="en-IN" dirty="0"/>
+              <a:rPr lang="en-IN"/>
               <a:t>Celeb	</a:t>
             </a:r>
+            <a:endParaRPr lang="en-IN" dirty="0"/>
           </a:p>
         </p:txBody>
       </p:sp>
@@ -6840,13 +8393,18 @@
             <p:ph idx="1"/>
           </p:nvPr>
         </p:nvSpPr>
-        <p:spPr/>
+        <p:spPr>
+          <a:xfrm>
+            <a:off x="838200" y="1825625"/>
+            <a:ext cx="10515600" cy="4351338"/>
+          </a:xfrm>
+        </p:spPr>
         <p:txBody>
           <a:bodyPr/>
           <a:lstStyle/>
           <a:p>
             <a:r>
-              <a:rPr lang="en-IN" dirty="0"/>
+              <a:rPr lang="en-IN"/>
               <a:t>Celeb contains, Name, BirthYear, PrimaryProfession, KnownFor, ID.</a:t>
             </a:r>
           </a:p>
@@ -6978,123 +8536,6 @@
 <file path=ppt/slides/slide8.xml><?xml version="1.0" encoding="utf-8"?>
 <p:sld xmlns:a="http://schemas.openxmlformats.org/drawingml/2006/main" xmlns:r="http://schemas.openxmlformats.org/officeDocument/2006/relationships" xmlns:p="http://schemas.openxmlformats.org/presentationml/2006/main">
   <p:cSld>
-    <p:spTree>
-      <p:nvGrpSpPr>
-        <p:cNvPr id="1" name=""/>
-        <p:cNvGrpSpPr/>
-        <p:nvPr/>
-      </p:nvGrpSpPr>
-      <p:grpSpPr>
-        <a:xfrm>
-          <a:off x="0" y="0"/>
-          <a:ext cx="0" cy="0"/>
-          <a:chOff x="0" y="0"/>
-          <a:chExt cx="0" cy="0"/>
-        </a:xfrm>
-      </p:grpSpPr>
-      <p:sp>
-        <p:nvSpPr>
-          <p:cNvPr id="2" name="Title 1">
-            <a:extLst>
-              <a:ext uri="{FF2B5EF4-FFF2-40B4-BE49-F238E27FC236}">
-                <a16:creationId xmlns:a16="http://schemas.microsoft.com/office/drawing/2014/main" id="{B11E4344-7FA6-44CB-B592-FA16C368D6B7}"/>
-              </a:ext>
-            </a:extLst>
-          </p:cNvPr>
-          <p:cNvSpPr>
-            <a:spLocks noGrp="1"/>
-          </p:cNvSpPr>
-          <p:nvPr>
-            <p:ph type="title"/>
-          </p:nvPr>
-        </p:nvSpPr>
-        <p:spPr/>
-        <p:txBody>
-          <a:bodyPr/>
-          <a:lstStyle/>
-          <a:p>
-            <a:r>
-              <a:rPr lang="en-IN" dirty="0"/>
-              <a:t>SSD properties</a:t>
-            </a:r>
-          </a:p>
-        </p:txBody>
-      </p:sp>
-      <p:sp>
-        <p:nvSpPr>
-          <p:cNvPr id="3" name="Content Placeholder 2">
-            <a:extLst>
-              <a:ext uri="{FF2B5EF4-FFF2-40B4-BE49-F238E27FC236}">
-                <a16:creationId xmlns:a16="http://schemas.microsoft.com/office/drawing/2014/main" id="{1142EB92-C40F-433D-B2AA-5C2B31E28633}"/>
-              </a:ext>
-            </a:extLst>
-          </p:cNvPr>
-          <p:cNvSpPr>
-            <a:spLocks noGrp="1"/>
-          </p:cNvSpPr>
-          <p:nvPr>
-            <p:ph idx="1"/>
-          </p:nvPr>
-        </p:nvSpPr>
-        <p:spPr/>
-        <p:txBody>
-          <a:bodyPr/>
-          <a:lstStyle/>
-          <a:p>
-            <a:r>
-              <a:rPr lang="en-IN" dirty="0"/>
-              <a:t>Heterogeneity</a:t>
-            </a:r>
-          </a:p>
-          <a:p>
-            <a:pPr lvl="1"/>
-            <a:r>
-              <a:rPr lang="en-IN" dirty="0"/>
-              <a:t>Description in movies contains Runtime and Year where as in Tvshows it contains StartYear and EndYear.</a:t>
-            </a:r>
-          </a:p>
-          <a:p>
-            <a:r>
-              <a:rPr lang="en-IN" dirty="0"/>
-              <a:t>Cross-Referencing</a:t>
-            </a:r>
-          </a:p>
-          <a:p>
-            <a:pPr lvl="1"/>
-            <a:r>
-              <a:rPr lang="en-IN" dirty="0"/>
-              <a:t>Tvshows, Movies has reference to Celebs.</a:t>
-            </a:r>
-          </a:p>
-          <a:p>
-            <a:pPr lvl="1"/>
-            <a:r>
-              <a:rPr lang="en-IN" dirty="0"/>
-              <a:t>Celebs has reference to Tvshows, Movies.</a:t>
-            </a:r>
-          </a:p>
-          <a:p>
-            <a:pPr lvl="1"/>
-            <a:endParaRPr lang="en-IN" dirty="0"/>
-          </a:p>
-        </p:txBody>
-      </p:sp>
-    </p:spTree>
-    <p:extLst>
-      <p:ext uri="{BB962C8B-B14F-4D97-AF65-F5344CB8AC3E}">
-        <p14:creationId xmlns:p14="http://schemas.microsoft.com/office/powerpoint/2010/main" val="4235775647"/>
-      </p:ext>
-    </p:extLst>
-  </p:cSld>
-  <p:clrMapOvr>
-    <a:masterClrMapping/>
-  </p:clrMapOvr>
-</p:sld>
-</file>
-
-<file path=ppt/slides/slide9.xml><?xml version="1.0" encoding="utf-8"?>
-<p:sld xmlns:a="http://schemas.openxmlformats.org/drawingml/2006/main" xmlns:r="http://schemas.openxmlformats.org/officeDocument/2006/relationships" xmlns:p="http://schemas.openxmlformats.org/presentationml/2006/main">
-  <p:cSld>
     <p:bg>
       <p:bgPr>
         <a:solidFill>
@@ -7119,10 +8560,10 @@
       </p:grpSpPr>
       <p:sp>
         <p:nvSpPr>
-          <p:cNvPr id="10" name="Rectangle 9">
-            <a:extLst>
-              <a:ext uri="{FF2B5EF4-FFF2-40B4-BE49-F238E27FC236}">
-                <a16:creationId xmlns:a16="http://schemas.microsoft.com/office/drawing/2014/main" id="{BE95D989-81FA-4BAD-9AD5-E46CEDA91B36}"/>
+          <p:cNvPr id="15" name="Rectangle 14">
+            <a:extLst>
+              <a:ext uri="{FF2B5EF4-FFF2-40B4-BE49-F238E27FC236}">
+                <a16:creationId xmlns:a16="http://schemas.microsoft.com/office/drawing/2014/main" id="{8D70B121-56F4-4848-B38B-182089D909FA}"/>
               </a:ext>
             </a:extLst>
           </p:cNvPr>
@@ -7137,21 +8578,20 @@
             </p:extLst>
           </p:nvPr>
         </p:nvSpPr>
-        <p:spPr>
+        <p:spPr bwMode="ltGray">
           <a:xfrm>
-            <a:off x="0" y="0"/>
-            <a:ext cx="4654293" cy="6858000"/>
+            <a:off x="321564" y="320040"/>
+            <a:ext cx="11548872" cy="6217920"/>
           </a:xfrm>
           <a:prstGeom prst="rect">
             <a:avLst/>
           </a:prstGeom>
           <a:solidFill>
             <a:schemeClr val="tx1">
-              <a:lumMod val="75000"/>
-              <a:lumOff val="25000"/>
+              <a:alpha val="8000"/>
             </a:schemeClr>
           </a:solidFill>
-          <a:ln>
+          <a:ln w="127000" cap="sq" cmpd="thinThick">
             <a:noFill/>
           </a:ln>
         </p:spPr>
@@ -7175,52 +8615,23 @@
           <a:bodyPr rtlCol="0" anchor="ctr"/>
           <a:lstStyle/>
           <a:p>
-            <a:pPr marL="0" marR="0" lvl="0" indent="0" algn="ctr" defTabSz="914400" rtl="0" eaLnBrk="1" fontAlgn="auto" latinLnBrk="0" hangingPunct="1">
-              <a:lnSpc>
-                <a:spcPct val="100000"/>
-              </a:lnSpc>
-              <a:spcBef>
-                <a:spcPts val="0"/>
-              </a:spcBef>
-              <a:spcAft>
-                <a:spcPts val="0"/>
-              </a:spcAft>
-              <a:buClrTx/>
-              <a:buSzTx/>
-              <a:buFontTx/>
-              <a:buNone/>
-              <a:tabLst/>
-              <a:defRPr/>
-            </a:pPr>
-            <a:endParaRPr kumimoji="0" lang="en-US" sz="1800" b="0" i="0" u="none" strike="noStrike" kern="1200" cap="none" spc="0" normalizeH="0" baseline="0" noProof="0">
-              <a:ln>
-                <a:noFill/>
-              </a:ln>
-              <a:solidFill>
-                <a:prstClr val="white"/>
-              </a:solidFill>
-              <a:effectLst/>
-              <a:uLnTx/>
-              <a:uFillTx/>
-              <a:latin typeface="Calibri" panose="020F0502020204030204"/>
-              <a:ea typeface="+mn-ea"/>
-              <a:cs typeface="+mn-cs"/>
-            </a:endParaRPr>
+            <a:pPr algn="ctr"/>
+            <a:endParaRPr lang="en-US"/>
           </a:p>
         </p:txBody>
       </p:sp>
-      <p:sp>
-        <p:nvSpPr>
-          <p:cNvPr id="12" name="Rectangle 11">
-            <a:extLst>
-              <a:ext uri="{FF2B5EF4-FFF2-40B4-BE49-F238E27FC236}">
-                <a16:creationId xmlns:a16="http://schemas.microsoft.com/office/drawing/2014/main" id="{156189E5-8A3E-4CFD-B71B-CCD0F8495E56}"/>
-              </a:ext>
-            </a:extLst>
-          </p:cNvPr>
-          <p:cNvSpPr>
-            <a:spLocks noGrp="1" noRot="1" noChangeAspect="1" noMove="1" noResize="1" noEditPoints="1" noAdjustHandles="1" noChangeArrowheads="1" noChangeShapeType="1" noTextEdit="1"/>
-          </p:cNvSpPr>
+      <p:cxnSp>
+        <p:nvCxnSpPr>
+          <p:cNvPr id="17" name="Straight Connector 16">
+            <a:extLst>
+              <a:ext uri="{FF2B5EF4-FFF2-40B4-BE49-F238E27FC236}">
+                <a16:creationId xmlns:a16="http://schemas.microsoft.com/office/drawing/2014/main" id="{2D72A2C9-F3CA-4216-8BAD-FA4C970C3C4E}"/>
+              </a:ext>
+            </a:extLst>
+          </p:cNvPr>
+          <p:cNvCxnSpPr>
+            <a:cxnSpLocks noGrp="1" noRot="1" noChangeAspect="1" noMove="1" noResize="1" noEditPoints="1" noAdjustHandles="1" noChangeArrowheads="1" noChangeShapeType="1"/>
+          </p:cNvCxnSpPr>
           <p:nvPr>
             <p:extLst>
               <p:ext uri="{386F3935-93C4-4BCD-93E2-E3B085C9AB24}">
@@ -7228,84 +8639,45 @@
               </p:ext>
             </p:extLst>
           </p:nvPr>
-        </p:nvSpPr>
+        </p:nvCxnSpPr>
         <p:spPr>
           <a:xfrm>
-            <a:off x="4654293" y="0"/>
-            <a:ext cx="142074" cy="6858000"/>
+            <a:off x="4654296" y="2057400"/>
+            <a:ext cx="0" cy="2743200"/>
           </a:xfrm>
-          <a:prstGeom prst="rect">
+          <a:prstGeom prst="line">
             <a:avLst/>
           </a:prstGeom>
-          <a:solidFill>
-            <a:schemeClr val="tx1">
-              <a:alpha val="20000"/>
-            </a:schemeClr>
-          </a:solidFill>
-          <a:ln>
-            <a:noFill/>
+          <a:ln w="19050">
+            <a:solidFill>
+              <a:schemeClr val="tx1">
+                <a:lumMod val="85000"/>
+                <a:lumOff val="15000"/>
+              </a:schemeClr>
+            </a:solidFill>
           </a:ln>
         </p:spPr>
         <p:style>
-          <a:lnRef idx="2">
-            <a:schemeClr val="accent1">
-              <a:shade val="50000"/>
-            </a:schemeClr>
+          <a:lnRef idx="1">
+            <a:schemeClr val="accent1"/>
           </a:lnRef>
-          <a:fillRef idx="1">
+          <a:fillRef idx="0">
             <a:schemeClr val="accent1"/>
           </a:fillRef>
           <a:effectRef idx="0">
             <a:schemeClr val="accent1"/>
           </a:effectRef>
           <a:fontRef idx="minor">
-            <a:schemeClr val="lt1"/>
+            <a:schemeClr val="tx1"/>
           </a:fontRef>
         </p:style>
-        <p:txBody>
-          <a:bodyPr rtlCol="0" anchor="ctr"/>
-          <a:lstStyle/>
-          <a:p>
-            <a:pPr marL="0" marR="0" lvl="0" indent="0" algn="ctr" defTabSz="914400" rtl="0" eaLnBrk="1" fontAlgn="auto" latinLnBrk="0" hangingPunct="1">
-              <a:lnSpc>
-                <a:spcPct val="100000"/>
-              </a:lnSpc>
-              <a:spcBef>
-                <a:spcPts val="0"/>
-              </a:spcBef>
-              <a:spcAft>
-                <a:spcPts val="0"/>
-              </a:spcAft>
-              <a:buClrTx/>
-              <a:buSzTx/>
-              <a:buFontTx/>
-              <a:buNone/>
-              <a:tabLst/>
-              <a:defRPr/>
-            </a:pPr>
-            <a:endParaRPr kumimoji="0" lang="en-US" sz="1800" b="0" i="0" u="none" strike="noStrike" kern="1200" cap="none" spc="0" normalizeH="0" baseline="0" noProof="0">
-              <a:ln>
-                <a:noFill/>
-              </a:ln>
-              <a:solidFill>
-                <a:prstClr val="white"/>
-              </a:solidFill>
-              <a:effectLst/>
-              <a:uLnTx/>
-              <a:uFillTx/>
-              <a:latin typeface="Calibri" panose="020F0502020204030204"/>
-              <a:ea typeface="+mn-ea"/>
-              <a:cs typeface="+mn-cs"/>
-            </a:endParaRPr>
-          </a:p>
-        </p:txBody>
-      </p:sp>
+      </p:cxnSp>
       <p:sp>
         <p:nvSpPr>
           <p:cNvPr id="2" name="Title 1">
             <a:extLst>
               <a:ext uri="{FF2B5EF4-FFF2-40B4-BE49-F238E27FC236}">
-                <a16:creationId xmlns:a16="http://schemas.microsoft.com/office/drawing/2014/main" id="{A1880AAD-667B-44E6-89D8-3613795BBE11}"/>
+                <a16:creationId xmlns:a16="http://schemas.microsoft.com/office/drawing/2014/main" id="{B11E4344-7FA6-44CB-B592-FA16C368D6B7}"/>
               </a:ext>
             </a:extLst>
           </p:cNvPr>
@@ -7318,8 +8690,8 @@
         </p:nvSpPr>
         <p:spPr>
           <a:xfrm>
-            <a:off x="838200" y="811161"/>
-            <a:ext cx="3335594" cy="5403370"/>
+            <a:off x="838200" y="963877"/>
+            <a:ext cx="3494362" cy="4930246"/>
           </a:xfrm>
         </p:spPr>
         <p:txBody>
@@ -7328,46 +8700,296 @@
           </a:bodyPr>
           <a:lstStyle/>
           <a:p>
+            <a:pPr algn="r"/>
             <a:r>
               <a:rPr lang="en-IN">
                 <a:solidFill>
-                  <a:schemeClr val="bg1"/>
+                  <a:schemeClr val="accent1"/>
                 </a:solidFill>
               </a:rPr>
-              <a:t>Generating xml data</a:t>
+              <a:t>SSD properties</a:t>
             </a:r>
           </a:p>
         </p:txBody>
       </p:sp>
-      <p:graphicFrame>
-        <p:nvGraphicFramePr>
-          <p:cNvPr id="5" name="Content Placeholder 2"/>
-          <p:cNvGraphicFramePr>
-            <a:graphicFrameLocks noGrp="1"/>
-          </p:cNvGraphicFramePr>
+      <p:sp>
+        <p:nvSpPr>
+          <p:cNvPr id="3" name="Content Placeholder 2">
+            <a:extLst>
+              <a:ext uri="{FF2B5EF4-FFF2-40B4-BE49-F238E27FC236}">
+                <a16:creationId xmlns:a16="http://schemas.microsoft.com/office/drawing/2014/main" id="{1142EB92-C40F-433D-B2AA-5C2B31E28633}"/>
+              </a:ext>
+            </a:extLst>
+          </p:cNvPr>
+          <p:cNvSpPr>
+            <a:spLocks noGrp="1"/>
+          </p:cNvSpPr>
           <p:nvPr>
             <p:ph idx="1"/>
-            <p:extLst>
-              <p:ext uri="{D42A27DB-BD31-4B8C-83A1-F6EECF244321}">
-                <p14:modId xmlns:p14="http://schemas.microsoft.com/office/powerpoint/2010/main" val="2479363923"/>
-              </p:ext>
-            </p:extLst>
-          </p:nvPr>
-        </p:nvGraphicFramePr>
-        <p:xfrm>
-          <a:off x="5459413" y="642938"/>
-          <a:ext cx="6089650" cy="5572125"/>
-        </p:xfrm>
-        <a:graphic>
-          <a:graphicData uri="http://schemas.openxmlformats.org/drawingml/2006/diagram">
-            <dgm:relIds xmlns:dgm="http://schemas.openxmlformats.org/drawingml/2006/diagram" xmlns:r="http://schemas.openxmlformats.org/officeDocument/2006/relationships" r:dm="rId2" r:lo="rId3" r:qs="rId4" r:cs="rId5"/>
-          </a:graphicData>
-        </a:graphic>
-      </p:graphicFrame>
+          </p:nvPr>
+        </p:nvSpPr>
+        <p:spPr>
+          <a:xfrm>
+            <a:off x="4976031" y="963877"/>
+            <a:ext cx="6377769" cy="4930246"/>
+          </a:xfrm>
+        </p:spPr>
+        <p:txBody>
+          <a:bodyPr anchor="ctr">
+            <a:normAutofit/>
+          </a:bodyPr>
+          <a:lstStyle/>
+          <a:p>
+            <a:r>
+              <a:rPr lang="en-IN" sz="2400" dirty="0"/>
+              <a:t>Heterogeneity</a:t>
+            </a:r>
+          </a:p>
+          <a:p>
+            <a:pPr lvl="1"/>
+            <a:r>
+              <a:rPr lang="en-IN" dirty="0"/>
+              <a:t>Genres can have multiple Genre tags or a single MainGenre tag in which there is a tag for each type of genre.</a:t>
+            </a:r>
+          </a:p>
+          <a:p>
+            <a:r>
+              <a:rPr lang="en-IN" sz="2400" dirty="0"/>
+              <a:t>Cross-Referencing</a:t>
+            </a:r>
+          </a:p>
+          <a:p>
+            <a:pPr lvl="1"/>
+            <a:r>
+              <a:rPr lang="en-IN" dirty="0"/>
+              <a:t>Tvshows, Movies has reference to Celebs.</a:t>
+            </a:r>
+          </a:p>
+          <a:p>
+            <a:pPr lvl="1"/>
+            <a:r>
+              <a:rPr lang="en-IN" dirty="0"/>
+              <a:t>Celebs has reference to Tvshows, Movies.</a:t>
+            </a:r>
+          </a:p>
+          <a:p>
+            <a:endParaRPr lang="en-IN" sz="2400" dirty="0"/>
+          </a:p>
+        </p:txBody>
+      </p:sp>
     </p:spTree>
     <p:extLst>
       <p:ext uri="{BB962C8B-B14F-4D97-AF65-F5344CB8AC3E}">
-        <p14:creationId xmlns:p14="http://schemas.microsoft.com/office/powerpoint/2010/main" val="341479689"/>
+        <p14:creationId xmlns:p14="http://schemas.microsoft.com/office/powerpoint/2010/main" val="4235775647"/>
+      </p:ext>
+    </p:extLst>
+  </p:cSld>
+  <p:clrMapOvr>
+    <a:masterClrMapping/>
+  </p:clrMapOvr>
+</p:sld>
+</file>
+
+<file path=ppt/slides/slide9.xml><?xml version="1.0" encoding="utf-8"?>
+<p:sld xmlns:a="http://schemas.openxmlformats.org/drawingml/2006/main" xmlns:r="http://schemas.openxmlformats.org/officeDocument/2006/relationships" xmlns:p="http://schemas.openxmlformats.org/presentationml/2006/main">
+  <p:cSld>
+    <p:spTree>
+      <p:nvGrpSpPr>
+        <p:cNvPr id="1" name=""/>
+        <p:cNvGrpSpPr/>
+        <p:nvPr/>
+      </p:nvGrpSpPr>
+      <p:grpSpPr>
+        <a:xfrm>
+          <a:off x="0" y="0"/>
+          <a:ext cx="0" cy="0"/>
+          <a:chOff x="0" y="0"/>
+          <a:chExt cx="0" cy="0"/>
+        </a:xfrm>
+      </p:grpSpPr>
+      <p:sp>
+        <p:nvSpPr>
+          <p:cNvPr id="2" name="Title 1">
+            <a:extLst>
+              <a:ext uri="{FF2B5EF4-FFF2-40B4-BE49-F238E27FC236}">
+                <a16:creationId xmlns:a16="http://schemas.microsoft.com/office/drawing/2014/main" id="{1C2AAA41-5367-41D1-A043-B559B0AA157F}"/>
+              </a:ext>
+            </a:extLst>
+          </p:cNvPr>
+          <p:cNvSpPr>
+            <a:spLocks noGrp="1"/>
+          </p:cNvSpPr>
+          <p:nvPr>
+            <p:ph type="title"/>
+          </p:nvPr>
+        </p:nvSpPr>
+        <p:spPr/>
+        <p:txBody>
+          <a:bodyPr/>
+          <a:lstStyle/>
+          <a:p>
+            <a:r>
+              <a:rPr lang="en-IN" dirty="0"/>
+              <a:t>Heterogeneity</a:t>
+            </a:r>
+          </a:p>
+        </p:txBody>
+      </p:sp>
+      <p:sp>
+        <p:nvSpPr>
+          <p:cNvPr id="3" name="Content Placeholder 2">
+            <a:extLst>
+              <a:ext uri="{FF2B5EF4-FFF2-40B4-BE49-F238E27FC236}">
+                <a16:creationId xmlns:a16="http://schemas.microsoft.com/office/drawing/2014/main" id="{96B715AE-5A47-4296-9239-10F05E508923}"/>
+              </a:ext>
+            </a:extLst>
+          </p:cNvPr>
+          <p:cNvSpPr>
+            <a:spLocks noGrp="1"/>
+          </p:cNvSpPr>
+          <p:nvPr>
+            <p:ph idx="1"/>
+          </p:nvPr>
+        </p:nvSpPr>
+        <p:spPr>
+          <a:xfrm>
+            <a:off x="838200" y="1530203"/>
+            <a:ext cx="10515600" cy="4351338"/>
+          </a:xfrm>
+        </p:spPr>
+        <p:txBody>
+          <a:bodyPr>
+            <a:normAutofit/>
+          </a:bodyPr>
+          <a:lstStyle/>
+          <a:p>
+            <a:endParaRPr lang="fr-FR" sz="1800" dirty="0">
+              <a:latin typeface="Consolas" panose="020B0609020204030204" pitchFamily="49" charset="0"/>
+            </a:endParaRPr>
+          </a:p>
+          <a:p>
+            <a:r>
+              <a:rPr lang="fr-FR" sz="2000" dirty="0"/>
+              <a:t>Genres </a:t>
+            </a:r>
+            <a:r>
+              <a:rPr lang="fr-FR" sz="2000" dirty="0" err="1"/>
+              <a:t>may</a:t>
+            </a:r>
+            <a:r>
+              <a:rPr lang="fr-FR" sz="2000" dirty="0"/>
+              <a:t> </a:t>
+            </a:r>
+            <a:r>
+              <a:rPr lang="fr-FR" sz="2000" dirty="0" err="1"/>
+              <a:t>contain</a:t>
+            </a:r>
+            <a:r>
+              <a:rPr lang="fr-FR" sz="2000" dirty="0"/>
+              <a:t> </a:t>
+            </a:r>
+            <a:r>
+              <a:rPr lang="fr-FR" sz="2000" dirty="0" err="1"/>
+              <a:t>many</a:t>
+            </a:r>
+            <a:r>
+              <a:rPr lang="fr-FR" sz="2000" dirty="0"/>
+              <a:t> </a:t>
+            </a:r>
+            <a:r>
+              <a:rPr lang="fr-FR" sz="2000" dirty="0" err="1"/>
+              <a:t>Gerne</a:t>
+            </a:r>
+            <a:r>
+              <a:rPr lang="fr-FR" sz="2000" dirty="0"/>
+              <a:t> tags or a single MainGenres.</a:t>
+            </a:r>
+          </a:p>
+          <a:p>
+            <a:pPr marL="0" indent="0">
+              <a:buNone/>
+            </a:pPr>
+            <a:r>
+              <a:rPr lang="fr-FR" sz="1800" dirty="0">
+                <a:latin typeface="Consolas" panose="020B0609020204030204" pitchFamily="49" charset="0"/>
+              </a:rPr>
+              <a:t>	</a:t>
+            </a:r>
+          </a:p>
+          <a:p>
+            <a:pPr marL="0" indent="0">
+              <a:buNone/>
+            </a:pPr>
+            <a:endParaRPr lang="en-IN" sz="1800" dirty="0">
+              <a:latin typeface="Consolas" panose="020B0609020204030204" pitchFamily="49" charset="0"/>
+            </a:endParaRPr>
+          </a:p>
+        </p:txBody>
+      </p:sp>
+      <p:pic>
+        <p:nvPicPr>
+          <p:cNvPr id="4" name="Picture 3">
+            <a:extLst>
+              <a:ext uri="{FF2B5EF4-FFF2-40B4-BE49-F238E27FC236}">
+                <a16:creationId xmlns:a16="http://schemas.microsoft.com/office/drawing/2014/main" id="{466A46F3-37A9-41A0-A5FF-39CE4C8077B5}"/>
+              </a:ext>
+            </a:extLst>
+          </p:cNvPr>
+          <p:cNvPicPr>
+            <a:picLocks noChangeAspect="1"/>
+          </p:cNvPicPr>
+          <p:nvPr/>
+        </p:nvPicPr>
+        <p:blipFill>
+          <a:blip r:embed="rId2"/>
+          <a:stretch>
+            <a:fillRect/>
+          </a:stretch>
+        </p:blipFill>
+        <p:spPr>
+          <a:xfrm>
+            <a:off x="1105852" y="2855766"/>
+            <a:ext cx="4096477" cy="2926056"/>
+          </a:xfrm>
+          <a:prstGeom prst="rect">
+            <a:avLst/>
+          </a:prstGeom>
+        </p:spPr>
+      </p:pic>
+      <p:pic>
+        <p:nvPicPr>
+          <p:cNvPr id="5" name="Picture 4">
+            <a:extLst>
+              <a:ext uri="{FF2B5EF4-FFF2-40B4-BE49-F238E27FC236}">
+                <a16:creationId xmlns:a16="http://schemas.microsoft.com/office/drawing/2014/main" id="{45C8D84A-6F74-401A-8FD2-5BF250F4C413}"/>
+              </a:ext>
+            </a:extLst>
+          </p:cNvPr>
+          <p:cNvPicPr>
+            <a:picLocks noChangeAspect="1"/>
+          </p:cNvPicPr>
+          <p:nvPr/>
+        </p:nvPicPr>
+        <p:blipFill>
+          <a:blip r:embed="rId3"/>
+          <a:stretch>
+            <a:fillRect/>
+          </a:stretch>
+        </p:blipFill>
+        <p:spPr>
+          <a:xfrm>
+            <a:off x="7413674" y="3150463"/>
+            <a:ext cx="4067101" cy="1717873"/>
+          </a:xfrm>
+          <a:prstGeom prst="rect">
+            <a:avLst/>
+          </a:prstGeom>
+        </p:spPr>
+      </p:pic>
+    </p:spTree>
+    <p:extLst>
+      <p:ext uri="{BB962C8B-B14F-4D97-AF65-F5344CB8AC3E}">
+        <p14:creationId xmlns:p14="http://schemas.microsoft.com/office/powerpoint/2010/main" val="2708271264"/>
       </p:ext>
     </p:extLst>
   </p:cSld>

--- a/presentation.pptx
+++ b/presentation.pptx
@@ -15,7 +15,7 @@
     <p:sldId id="258" r:id="rId9"/>
     <p:sldId id="266" r:id="rId10"/>
     <p:sldId id="262" r:id="rId11"/>
-    <p:sldId id="263" r:id="rId12"/>
+    <p:sldId id="267" r:id="rId12"/>
   </p:sldIdLst>
   <p:sldSz cx="12192000" cy="6858000"/>
   <p:notesSz cx="6858000" cy="9144000"/>
@@ -1035,10 +1035,16 @@
         <a:lstStyle/>
         <a:p>
           <a:r>
-            <a:rPr lang="en-IN" b="1"/>
+            <a:rPr lang="en-IN" b="1" dirty="0"/>
             <a:t>Data Validation:</a:t>
           </a:r>
-          <a:endParaRPr lang="en-US"/>
+        </a:p>
+        <a:p>
+          <a:r>
+            <a:rPr lang="en-IN" dirty="0"/>
+            <a:t>We used xmllint, visual studio, Liquid Studio 2017 for data validation.</a:t>
+          </a:r>
+          <a:endParaRPr lang="en-US" dirty="0"/>
         </a:p>
       </dgm:t>
     </dgm:pt>
@@ -1071,10 +1077,6 @@
         <a:bodyPr/>
         <a:lstStyle/>
         <a:p>
-          <a:r>
-            <a:rPr lang="en-IN" dirty="0"/>
-            <a:t>We used xmllint, visual studio, Liquid Studio 2017 for data validation.</a:t>
-          </a:r>
           <a:endParaRPr lang="en-US" dirty="0"/>
         </a:p>
       </dgm:t>
@@ -1196,8 +1198,8 @@
       </dsp:nvSpPr>
       <dsp:spPr>
         <a:xfrm>
-          <a:off x="0" y="8156"/>
-          <a:ext cx="6089650" cy="1566337"/>
+          <a:off x="0" y="62361"/>
+          <a:ext cx="6089650" cy="1622360"/>
         </a:xfrm>
         <a:prstGeom prst="roundRect">
           <a:avLst/>
@@ -1266,12 +1268,12 @@
         </a:fontRef>
       </dsp:style>
       <dsp:txBody>
-        <a:bodyPr spcFirstLastPara="0" vert="horz" wrap="square" lIns="106680" tIns="106680" rIns="106680" bIns="106680" numCol="1" spcCol="1270" anchor="ctr" anchorCtr="0">
+        <a:bodyPr spcFirstLastPara="0" vert="horz" wrap="square" lIns="99060" tIns="99060" rIns="99060" bIns="99060" numCol="1" spcCol="1270" anchor="ctr" anchorCtr="0">
           <a:noAutofit/>
         </a:bodyPr>
         <a:lstStyle/>
         <a:p>
-          <a:pPr marL="0" lvl="0" indent="0" algn="l" defTabSz="1244600">
+          <a:pPr marL="0" lvl="0" indent="0" algn="l" defTabSz="1155700">
             <a:lnSpc>
               <a:spcPct val="90000"/>
             </a:lnSpc>
@@ -1284,25 +1286,25 @@
             <a:buNone/>
           </a:pPr>
           <a:r>
-            <a:rPr lang="en-IN" sz="2800" kern="1200"/>
+            <a:rPr lang="en-IN" sz="2600" kern="1200"/>
             <a:t>We got data from </a:t>
           </a:r>
           <a:r>
-            <a:rPr lang="en-IN" sz="2800" kern="1200">
+            <a:rPr lang="en-IN" sz="2600" kern="1200">
               <a:hlinkClick xmlns:r="http://schemas.openxmlformats.org/officeDocument/2006/relationships" r:id="rId1"/>
             </a:rPr>
             <a:t>datasets.imdbws.com</a:t>
           </a:r>
           <a:r>
-            <a:rPr lang="en-IN" sz="2800" kern="1200"/>
+            <a:rPr lang="en-IN" sz="2600" kern="1200"/>
             <a:t>.</a:t>
           </a:r>
-          <a:endParaRPr lang="en-US" sz="2800" kern="1200"/>
+          <a:endParaRPr lang="en-US" sz="2600" kern="1200"/>
         </a:p>
       </dsp:txBody>
       <dsp:txXfrm>
-        <a:off x="76462" y="84618"/>
-        <a:ext cx="5936726" cy="1413413"/>
+        <a:off x="79197" y="141558"/>
+        <a:ext cx="5931256" cy="1463966"/>
       </dsp:txXfrm>
     </dsp:sp>
     <dsp:sp modelId="{C03FDFCC-8A24-406B-BE10-0F95A27094F2}">
@@ -1312,8 +1314,8 @@
       </dsp:nvSpPr>
       <dsp:spPr>
         <a:xfrm>
-          <a:off x="0" y="1655133"/>
-          <a:ext cx="6089650" cy="1566337"/>
+          <a:off x="0" y="1759602"/>
+          <a:ext cx="6089650" cy="1622360"/>
         </a:xfrm>
         <a:prstGeom prst="roundRect">
           <a:avLst/>
@@ -1382,12 +1384,12 @@
         </a:fontRef>
       </dsp:style>
       <dsp:txBody>
-        <a:bodyPr spcFirstLastPara="0" vert="horz" wrap="square" lIns="106680" tIns="106680" rIns="106680" bIns="106680" numCol="1" spcCol="1270" anchor="ctr" anchorCtr="0">
+        <a:bodyPr spcFirstLastPara="0" vert="horz" wrap="square" lIns="99060" tIns="99060" rIns="99060" bIns="99060" numCol="1" spcCol="1270" anchor="ctr" anchorCtr="0">
           <a:noAutofit/>
         </a:bodyPr>
         <a:lstStyle/>
         <a:p>
-          <a:pPr marL="0" lvl="0" indent="0" algn="l" defTabSz="1244600">
+          <a:pPr marL="0" lvl="0" indent="0" algn="l" defTabSz="1155700">
             <a:lnSpc>
               <a:spcPct val="90000"/>
             </a:lnSpc>
@@ -1400,15 +1402,15 @@
             <a:buNone/>
           </a:pPr>
           <a:r>
-            <a:rPr lang="en-IN" sz="2800" kern="1200"/>
+            <a:rPr lang="en-IN" sz="2600" kern="1200"/>
             <a:t>We used pandas and xml.etree.ElementTree for generating xml data.</a:t>
           </a:r>
-          <a:endParaRPr lang="en-US" sz="2800" kern="1200"/>
+          <a:endParaRPr lang="en-US" sz="2600" kern="1200"/>
         </a:p>
       </dsp:txBody>
       <dsp:txXfrm>
-        <a:off x="76462" y="1731595"/>
-        <a:ext cx="5936726" cy="1413413"/>
+        <a:off x="79197" y="1838799"/>
+        <a:ext cx="5931256" cy="1463966"/>
       </dsp:txXfrm>
     </dsp:sp>
     <dsp:sp modelId="{DC501F00-3203-4E10-9633-FD999CF03DF3}">
@@ -1418,8 +1420,8 @@
       </dsp:nvSpPr>
       <dsp:spPr>
         <a:xfrm>
-          <a:off x="0" y="3302111"/>
-          <a:ext cx="6089650" cy="1566337"/>
+          <a:off x="0" y="3456842"/>
+          <a:ext cx="6089650" cy="1622360"/>
         </a:xfrm>
         <a:prstGeom prst="roundRect">
           <a:avLst/>
@@ -1488,12 +1490,12 @@
         </a:fontRef>
       </dsp:style>
       <dsp:txBody>
-        <a:bodyPr spcFirstLastPara="0" vert="horz" wrap="square" lIns="106680" tIns="106680" rIns="106680" bIns="106680" numCol="1" spcCol="1270" anchor="ctr" anchorCtr="0">
+        <a:bodyPr spcFirstLastPara="0" vert="horz" wrap="square" lIns="99060" tIns="99060" rIns="99060" bIns="99060" numCol="1" spcCol="1270" anchor="ctr" anchorCtr="0">
           <a:noAutofit/>
         </a:bodyPr>
         <a:lstStyle/>
         <a:p>
-          <a:pPr marL="0" lvl="0" indent="0" algn="l" defTabSz="1244600">
+          <a:pPr marL="0" lvl="0" indent="0" algn="l" defTabSz="1155700">
             <a:lnSpc>
               <a:spcPct val="90000"/>
             </a:lnSpc>
@@ -1506,15 +1508,33 @@
             <a:buNone/>
           </a:pPr>
           <a:r>
-            <a:rPr lang="en-IN" sz="2800" b="1" kern="1200"/>
+            <a:rPr lang="en-IN" sz="2600" b="1" kern="1200" dirty="0"/>
             <a:t>Data Validation:</a:t>
           </a:r>
-          <a:endParaRPr lang="en-US" sz="2800" kern="1200"/>
+        </a:p>
+        <a:p>
+          <a:pPr marL="0" lvl="0" indent="0" algn="l" defTabSz="1155700">
+            <a:lnSpc>
+              <a:spcPct val="90000"/>
+            </a:lnSpc>
+            <a:spcBef>
+              <a:spcPct val="0"/>
+            </a:spcBef>
+            <a:spcAft>
+              <a:spcPct val="35000"/>
+            </a:spcAft>
+            <a:buNone/>
+          </a:pPr>
+          <a:r>
+            <a:rPr lang="en-IN" sz="2600" kern="1200" dirty="0"/>
+            <a:t>We used xmllint, visual studio, Liquid Studio 2017 for data validation.</a:t>
+          </a:r>
+          <a:endParaRPr lang="en-US" sz="2600" kern="1200" dirty="0"/>
         </a:p>
       </dsp:txBody>
       <dsp:txXfrm>
-        <a:off x="76462" y="3378573"/>
-        <a:ext cx="5936726" cy="1413413"/>
+        <a:off x="79197" y="3536039"/>
+        <a:ext cx="5931256" cy="1463966"/>
       </dsp:txXfrm>
     </dsp:sp>
     <dsp:sp modelId="{4BE557D1-8BD5-4A6E-A7D2-FE8E90B1AE8A}">
@@ -1524,8 +1544,8 @@
       </dsp:nvSpPr>
       <dsp:spPr>
         <a:xfrm>
-          <a:off x="0" y="4868448"/>
-          <a:ext cx="6089650" cy="695520"/>
+          <a:off x="0" y="5079203"/>
+          <a:ext cx="6089650" cy="430560"/>
         </a:xfrm>
         <a:prstGeom prst="rect">
           <a:avLst/>
@@ -1549,12 +1569,12 @@
         <a:fontRef idx="minor"/>
       </dsp:style>
       <dsp:txBody>
-        <a:bodyPr spcFirstLastPara="0" vert="horz" wrap="square" lIns="193346" tIns="35560" rIns="199136" bIns="35560" numCol="1" spcCol="1270" anchor="t" anchorCtr="0">
+        <a:bodyPr spcFirstLastPara="0" vert="horz" wrap="square" lIns="193346" tIns="33020" rIns="184912" bIns="33020" numCol="1" spcCol="1270" anchor="t" anchorCtr="0">
           <a:noAutofit/>
         </a:bodyPr>
         <a:lstStyle/>
         <a:p>
-          <a:pPr marL="228600" lvl="1" indent="-228600" algn="l" defTabSz="977900">
+          <a:pPr marL="228600" lvl="1" indent="-228600" algn="l" defTabSz="889000">
             <a:lnSpc>
               <a:spcPct val="90000"/>
             </a:lnSpc>
@@ -1566,16 +1586,12 @@
             </a:spcAft>
             <a:buChar char="•"/>
           </a:pPr>
-          <a:r>
-            <a:rPr lang="en-IN" sz="2200" kern="1200" dirty="0"/>
-            <a:t>We used xmllint, visual studio, Liquid Studio 2017 for data validation.</a:t>
-          </a:r>
-          <a:endParaRPr lang="en-US" sz="2200" kern="1200" dirty="0"/>
+          <a:endParaRPr lang="en-US" sz="2000" kern="1200" dirty="0"/>
         </a:p>
       </dsp:txBody>
       <dsp:txXfrm>
-        <a:off x="0" y="4868448"/>
-        <a:ext cx="6089650" cy="695520"/>
+        <a:off x="0" y="5079203"/>
+        <a:ext cx="6089650" cy="430560"/>
       </dsp:txXfrm>
     </dsp:sp>
   </dsp:spTree>
@@ -2932,7 +2948,7 @@
           <a:p>
             <a:fld id="{CF54C066-697E-4A1B-A74C-32451BA25307}" type="datetimeFigureOut">
               <a:rPr lang="en-IN" smtClean="0"/>
-              <a:t>12-02-2018</a:t>
+              <a:t>13-02-2018</a:t>
             </a:fld>
             <a:endParaRPr lang="en-IN"/>
           </a:p>
@@ -3132,7 +3148,7 @@
           <a:p>
             <a:fld id="{CF54C066-697E-4A1B-A74C-32451BA25307}" type="datetimeFigureOut">
               <a:rPr lang="en-IN" smtClean="0"/>
-              <a:t>12-02-2018</a:t>
+              <a:t>13-02-2018</a:t>
             </a:fld>
             <a:endParaRPr lang="en-IN"/>
           </a:p>
@@ -3342,7 +3358,7 @@
           <a:p>
             <a:fld id="{CF54C066-697E-4A1B-A74C-32451BA25307}" type="datetimeFigureOut">
               <a:rPr lang="en-IN" smtClean="0"/>
-              <a:t>12-02-2018</a:t>
+              <a:t>13-02-2018</a:t>
             </a:fld>
             <a:endParaRPr lang="en-IN"/>
           </a:p>
@@ -3542,7 +3558,7 @@
           <a:p>
             <a:fld id="{CF54C066-697E-4A1B-A74C-32451BA25307}" type="datetimeFigureOut">
               <a:rPr lang="en-IN" smtClean="0"/>
-              <a:t>12-02-2018</a:t>
+              <a:t>13-02-2018</a:t>
             </a:fld>
             <a:endParaRPr lang="en-IN"/>
           </a:p>
@@ -3818,7 +3834,7 @@
           <a:p>
             <a:fld id="{CF54C066-697E-4A1B-A74C-32451BA25307}" type="datetimeFigureOut">
               <a:rPr lang="en-IN" smtClean="0"/>
-              <a:t>12-02-2018</a:t>
+              <a:t>13-02-2018</a:t>
             </a:fld>
             <a:endParaRPr lang="en-IN"/>
           </a:p>
@@ -4086,7 +4102,7 @@
           <a:p>
             <a:fld id="{CF54C066-697E-4A1B-A74C-32451BA25307}" type="datetimeFigureOut">
               <a:rPr lang="en-IN" smtClean="0"/>
-              <a:t>12-02-2018</a:t>
+              <a:t>13-02-2018</a:t>
             </a:fld>
             <a:endParaRPr lang="en-IN"/>
           </a:p>
@@ -4501,7 +4517,7 @@
           <a:p>
             <a:fld id="{CF54C066-697E-4A1B-A74C-32451BA25307}" type="datetimeFigureOut">
               <a:rPr lang="en-IN" smtClean="0"/>
-              <a:t>12-02-2018</a:t>
+              <a:t>13-02-2018</a:t>
             </a:fld>
             <a:endParaRPr lang="en-IN"/>
           </a:p>
@@ -4643,7 +4659,7 @@
           <a:p>
             <a:fld id="{CF54C066-697E-4A1B-A74C-32451BA25307}" type="datetimeFigureOut">
               <a:rPr lang="en-IN" smtClean="0"/>
-              <a:t>12-02-2018</a:t>
+              <a:t>13-02-2018</a:t>
             </a:fld>
             <a:endParaRPr lang="en-IN"/>
           </a:p>
@@ -4756,7 +4772,7 @@
           <a:p>
             <a:fld id="{CF54C066-697E-4A1B-A74C-32451BA25307}" type="datetimeFigureOut">
               <a:rPr lang="en-IN" smtClean="0"/>
-              <a:t>12-02-2018</a:t>
+              <a:t>13-02-2018</a:t>
             </a:fld>
             <a:endParaRPr lang="en-IN"/>
           </a:p>
@@ -5069,7 +5085,7 @@
           <a:p>
             <a:fld id="{CF54C066-697E-4A1B-A74C-32451BA25307}" type="datetimeFigureOut">
               <a:rPr lang="en-IN" smtClean="0"/>
-              <a:t>12-02-2018</a:t>
+              <a:t>13-02-2018</a:t>
             </a:fld>
             <a:endParaRPr lang="en-IN"/>
           </a:p>
@@ -5358,7 +5374,7 @@
           <a:p>
             <a:fld id="{CF54C066-697E-4A1B-A74C-32451BA25307}" type="datetimeFigureOut">
               <a:rPr lang="en-IN" smtClean="0"/>
-              <a:t>12-02-2018</a:t>
+              <a:t>13-02-2018</a:t>
             </a:fld>
             <a:endParaRPr lang="en-IN"/>
           </a:p>
@@ -5601,7 +5617,7 @@
           <a:p>
             <a:fld id="{CF54C066-697E-4A1B-A74C-32451BA25307}" type="datetimeFigureOut">
               <a:rPr lang="en-IN" smtClean="0"/>
-              <a:t>12-02-2018</a:t>
+              <a:t>13-02-2018</a:t>
             </a:fld>
             <a:endParaRPr lang="en-IN"/>
           </a:p>
@@ -6306,170 +6322,18 @@
   <p:clrMapOvr>
     <a:masterClrMapping/>
   </p:clrMapOvr>
-  <mc:AlternateContent xmlns:mc="http://schemas.openxmlformats.org/markup-compatibility/2006">
-    <mc:Choice xmlns:p14="http://schemas.microsoft.com/office/powerpoint/2010/main" Requires="p14">
+  <mc:AlternateContent xmlns:mc="http://schemas.openxmlformats.org/markup-compatibility/2006" xmlns:p14="http://schemas.microsoft.com/office/powerpoint/2010/main">
+    <mc:Choice Requires="p14">
       <p:transition spd="slow">
         <p14:reveal/>
       </p:transition>
     </mc:Choice>
-    <mc:Fallback>
+    <mc:Fallback xmlns="">
       <p:transition spd="slow">
         <p:fade/>
       </p:transition>
     </mc:Fallback>
   </mc:AlternateContent>
-  <p:timing>
-    <p:tnLst>
-      <p:par>
-        <p:cTn id="1" dur="indefinite" restart="never" nodeType="tmRoot">
-          <p:childTnLst>
-            <p:seq concurrent="1" nextAc="seek">
-              <p:cTn id="2" dur="indefinite" nodeType="mainSeq">
-                <p:childTnLst>
-                  <p:par>
-                    <p:cTn id="3" fill="hold">
-                      <p:stCondLst>
-                        <p:cond delay="indefinite"/>
-                      </p:stCondLst>
-                      <p:childTnLst>
-                        <p:par>
-                          <p:cTn id="4" fill="hold">
-                            <p:stCondLst>
-                              <p:cond delay="0"/>
-                            </p:stCondLst>
-                            <p:childTnLst>
-                              <p:par>
-                                <p:cTn id="5" presetID="10" presetClass="entr" presetSubtype="0" fill="hold" nodeType="clickEffect">
-                                  <p:stCondLst>
-                                    <p:cond delay="0"/>
-                                  </p:stCondLst>
-                                  <p:childTnLst>
-                                    <p:set>
-                                      <p:cBhvr>
-                                        <p:cTn id="6" dur="1" fill="hold">
-                                          <p:stCondLst>
-                                            <p:cond delay="0"/>
-                                          </p:stCondLst>
-                                        </p:cTn>
-                                        <p:tgtEl>
-                                          <p:spTgt spid="3">
-                                            <p:txEl>
-                                              <p:pRg st="0" end="0"/>
-                                            </p:txEl>
-                                          </p:spTgt>
-                                        </p:tgtEl>
-                                        <p:attrNameLst>
-                                          <p:attrName>style.visibility</p:attrName>
-                                        </p:attrNameLst>
-                                      </p:cBhvr>
-                                      <p:to>
-                                        <p:strVal val="visible"/>
-                                      </p:to>
-                                    </p:set>
-                                    <p:animEffect transition="in" filter="fade">
-                                      <p:cBhvr>
-                                        <p:cTn id="7" dur="500"/>
-                                        <p:tgtEl>
-                                          <p:spTgt spid="3">
-                                            <p:txEl>
-                                              <p:pRg st="0" end="0"/>
-                                            </p:txEl>
-                                          </p:spTgt>
-                                        </p:tgtEl>
-                                      </p:cBhvr>
-                                    </p:animEffect>
-                                  </p:childTnLst>
-                                </p:cTn>
-                              </p:par>
-                            </p:childTnLst>
-                          </p:cTn>
-                        </p:par>
-                      </p:childTnLst>
-                    </p:cTn>
-                  </p:par>
-                  <p:par>
-                    <p:cTn id="8" fill="hold">
-                      <p:stCondLst>
-                        <p:cond delay="indefinite"/>
-                      </p:stCondLst>
-                      <p:childTnLst>
-                        <p:par>
-                          <p:cTn id="9" fill="hold">
-                            <p:stCondLst>
-                              <p:cond delay="0"/>
-                            </p:stCondLst>
-                            <p:childTnLst>
-                              <p:par>
-                                <p:cTn id="10" presetID="10" presetClass="entr" presetSubtype="0" fill="hold" nodeType="clickEffect">
-                                  <p:stCondLst>
-                                    <p:cond delay="0"/>
-                                  </p:stCondLst>
-                                  <p:childTnLst>
-                                    <p:set>
-                                      <p:cBhvr>
-                                        <p:cTn id="11" dur="1" fill="hold">
-                                          <p:stCondLst>
-                                            <p:cond delay="0"/>
-                                          </p:stCondLst>
-                                        </p:cTn>
-                                        <p:tgtEl>
-                                          <p:spTgt spid="3">
-                                            <p:txEl>
-                                              <p:pRg st="1" end="1"/>
-                                            </p:txEl>
-                                          </p:spTgt>
-                                        </p:tgtEl>
-                                        <p:attrNameLst>
-                                          <p:attrName>style.visibility</p:attrName>
-                                        </p:attrNameLst>
-                                      </p:cBhvr>
-                                      <p:to>
-                                        <p:strVal val="visible"/>
-                                      </p:to>
-                                    </p:set>
-                                    <p:animEffect transition="in" filter="fade">
-                                      <p:cBhvr>
-                                        <p:cTn id="12" dur="500"/>
-                                        <p:tgtEl>
-                                          <p:spTgt spid="3">
-                                            <p:txEl>
-                                              <p:pRg st="1" end="1"/>
-                                            </p:txEl>
-                                          </p:spTgt>
-                                        </p:tgtEl>
-                                      </p:cBhvr>
-                                    </p:animEffect>
-                                  </p:childTnLst>
-                                </p:cTn>
-                              </p:par>
-                            </p:childTnLst>
-                          </p:cTn>
-                        </p:par>
-                      </p:childTnLst>
-                    </p:cTn>
-                  </p:par>
-                </p:childTnLst>
-              </p:cTn>
-              <p:prevCondLst>
-                <p:cond evt="onPrev" delay="0">
-                  <p:tgtEl>
-                    <p:sldTgt/>
-                  </p:tgtEl>
-                </p:cond>
-              </p:prevCondLst>
-              <p:nextCondLst>
-                <p:cond evt="onNext" delay="0">
-                  <p:tgtEl>
-                    <p:sldTgt/>
-                  </p:tgtEl>
-                </p:cond>
-              </p:nextCondLst>
-            </p:seq>
-          </p:childTnLst>
-        </p:cTn>
-      </p:par>
-    </p:tnLst>
-  </p:timing>
 </p:sld>
 </file>
 
@@ -6730,7 +6594,7 @@
             <p:ph idx="1"/>
             <p:extLst>
               <p:ext uri="{D42A27DB-BD31-4B8C-83A1-F6EECF244321}">
-                <p14:modId xmlns:p14="http://schemas.microsoft.com/office/powerpoint/2010/main" val="1490316449"/>
+                <p14:modId xmlns:p14="http://schemas.microsoft.com/office/powerpoint/2010/main" val="4153075434"/>
               </p:ext>
             </p:extLst>
           </p:nvPr>
@@ -6780,7 +6644,7 @@
           <p:cNvPr id="2" name="Title 1">
             <a:extLst>
               <a:ext uri="{FF2B5EF4-FFF2-40B4-BE49-F238E27FC236}">
-                <a16:creationId xmlns:a16="http://schemas.microsoft.com/office/drawing/2014/main" id="{B09F9003-0B0F-4F65-ACE0-DBCD632B6BD7}"/>
+                <a16:creationId xmlns:a16="http://schemas.microsoft.com/office/drawing/2014/main" id="{12144864-E2D6-4589-A4C9-B8D1FE808DB8}"/>
               </a:ext>
             </a:extLst>
           </p:cNvPr>
@@ -6789,6 +6653,41 @@
           </p:cNvSpPr>
           <p:nvPr>
             <p:ph type="title"/>
+          </p:nvPr>
+        </p:nvSpPr>
+        <p:spPr>
+          <a:xfrm>
+            <a:off x="3130296" y="2766218"/>
+            <a:ext cx="10515600" cy="1325563"/>
+          </a:xfrm>
+        </p:spPr>
+        <p:txBody>
+          <a:bodyPr>
+            <a:noAutofit/>
+          </a:bodyPr>
+          <a:lstStyle/>
+          <a:p>
+            <a:r>
+              <a:rPr lang="en-IN" sz="9600" dirty="0"/>
+              <a:t>Thank You</a:t>
+            </a:r>
+          </a:p>
+        </p:txBody>
+      </p:sp>
+      <p:sp>
+        <p:nvSpPr>
+          <p:cNvPr id="3" name="Content Placeholder 2">
+            <a:extLst>
+              <a:ext uri="{FF2B5EF4-FFF2-40B4-BE49-F238E27FC236}">
+                <a16:creationId xmlns:a16="http://schemas.microsoft.com/office/drawing/2014/main" id="{C060823A-78A9-4D13-B023-66CEFD61571B}"/>
+              </a:ext>
+            </a:extLst>
+          </p:cNvPr>
+          <p:cNvSpPr>
+            <a:spLocks noGrp="1"/>
+          </p:cNvSpPr>
+          <p:nvPr>
+            <p:ph idx="1"/>
           </p:nvPr>
         </p:nvSpPr>
         <p:spPr/>
@@ -6796,34 +6695,6 @@
           <a:bodyPr/>
           <a:lstStyle/>
           <a:p>
-            <a:r>
-              <a:rPr lang="en-IN" dirty="0"/>
-              <a:t>Data Analysis</a:t>
-            </a:r>
-          </a:p>
-        </p:txBody>
-      </p:sp>
-      <p:sp>
-        <p:nvSpPr>
-          <p:cNvPr id="3" name="Content Placeholder 2">
-            <a:extLst>
-              <a:ext uri="{FF2B5EF4-FFF2-40B4-BE49-F238E27FC236}">
-                <a16:creationId xmlns:a16="http://schemas.microsoft.com/office/drawing/2014/main" id="{F091FC1E-B369-4010-B466-BA1A0F4589CF}"/>
-              </a:ext>
-            </a:extLst>
-          </p:cNvPr>
-          <p:cNvSpPr>
-            <a:spLocks noGrp="1"/>
-          </p:cNvSpPr>
-          <p:nvPr>
-            <p:ph idx="1"/>
-          </p:nvPr>
-        </p:nvSpPr>
-        <p:spPr/>
-        <p:txBody>
-          <a:bodyPr/>
-          <a:lstStyle/>
-          <a:p>
             <a:endParaRPr lang="en-IN" dirty="0"/>
           </a:p>
         </p:txBody>
@@ -6831,7 +6702,7 @@
     </p:spTree>
     <p:extLst>
       <p:ext uri="{BB962C8B-B14F-4D97-AF65-F5344CB8AC3E}">
-        <p14:creationId xmlns:p14="http://schemas.microsoft.com/office/powerpoint/2010/main" val="493748490"/>
+        <p14:creationId xmlns:p14="http://schemas.microsoft.com/office/powerpoint/2010/main" val="2380479742"/>
       </p:ext>
     </p:extLst>
   </p:cSld>
@@ -7301,7 +7172,7 @@
           <a:lstStyle/>
           <a:p>
             <a:r>
-              <a:rPr lang="en-IN" sz="1800">
+              <a:rPr lang="en-IN" sz="1800" dirty="0">
                 <a:solidFill>
                   <a:schemeClr val="bg1"/>
                 </a:solidFill>
@@ -7313,7 +7184,7 @@
             <a:pPr marL="0" indent="0">
               <a:buNone/>
             </a:pPr>
-            <a:endParaRPr lang="en-IN" sz="1800">
+            <a:endParaRPr lang="en-IN" sz="1800" dirty="0">
               <a:solidFill>
                 <a:schemeClr val="bg1"/>
               </a:solidFill>
@@ -7331,135 +7202,6 @@
   <p:clrMapOvr>
     <a:masterClrMapping/>
   </p:clrMapOvr>
-  <p:timing>
-    <p:tnLst>
-      <p:par>
-        <p:cTn id="1" dur="indefinite" restart="never" nodeType="tmRoot">
-          <p:childTnLst>
-            <p:seq concurrent="1" nextAc="seek">
-              <p:cTn id="2" dur="indefinite" nodeType="mainSeq">
-                <p:childTnLst>
-                  <p:par>
-                    <p:cTn id="3" fill="hold">
-                      <p:stCondLst>
-                        <p:cond delay="indefinite"/>
-                      </p:stCondLst>
-                      <p:childTnLst>
-                        <p:par>
-                          <p:cTn id="4" fill="hold">
-                            <p:stCondLst>
-                              <p:cond delay="0"/>
-                            </p:stCondLst>
-                            <p:childTnLst>
-                              <p:par>
-                                <p:cTn id="5" presetID="10" presetClass="entr" presetSubtype="0" fill="hold" nodeType="clickEffect">
-                                  <p:stCondLst>
-                                    <p:cond delay="0"/>
-                                  </p:stCondLst>
-                                  <p:childTnLst>
-                                    <p:set>
-                                      <p:cBhvr>
-                                        <p:cTn id="6" dur="1" fill="hold">
-                                          <p:stCondLst>
-                                            <p:cond delay="0"/>
-                                          </p:stCondLst>
-                                        </p:cTn>
-                                        <p:tgtEl>
-                                          <p:spTgt spid="4"/>
-                                        </p:tgtEl>
-                                        <p:attrNameLst>
-                                          <p:attrName>style.visibility</p:attrName>
-                                        </p:attrNameLst>
-                                      </p:cBhvr>
-                                      <p:to>
-                                        <p:strVal val="visible"/>
-                                      </p:to>
-                                    </p:set>
-                                    <p:animEffect transition="in" filter="fade">
-                                      <p:cBhvr>
-                                        <p:cTn id="7" dur="500"/>
-                                        <p:tgtEl>
-                                          <p:spTgt spid="4"/>
-                                        </p:tgtEl>
-                                      </p:cBhvr>
-                                    </p:animEffect>
-                                  </p:childTnLst>
-                                </p:cTn>
-                              </p:par>
-                              <p:par>
-                                <p:cTn id="8" presetID="10" presetClass="entr" presetSubtype="0" fill="hold" grpId="0" nodeType="withEffect">
-                                  <p:stCondLst>
-                                    <p:cond delay="0"/>
-                                  </p:stCondLst>
-                                  <p:childTnLst>
-                                    <p:set>
-                                      <p:cBhvr>
-                                        <p:cTn id="9" dur="1" fill="hold">
-                                          <p:stCondLst>
-                                            <p:cond delay="0"/>
-                                          </p:stCondLst>
-                                        </p:cTn>
-                                        <p:tgtEl>
-                                          <p:spTgt spid="3">
-                                            <p:txEl>
-                                              <p:pRg st="0" end="0"/>
-                                            </p:txEl>
-                                          </p:spTgt>
-                                        </p:tgtEl>
-                                        <p:attrNameLst>
-                                          <p:attrName>style.visibility</p:attrName>
-                                        </p:attrNameLst>
-                                      </p:cBhvr>
-                                      <p:to>
-                                        <p:strVal val="visible"/>
-                                      </p:to>
-                                    </p:set>
-                                    <p:animEffect transition="in" filter="fade">
-                                      <p:cBhvr>
-                                        <p:cTn id="10" dur="500"/>
-                                        <p:tgtEl>
-                                          <p:spTgt spid="3">
-                                            <p:txEl>
-                                              <p:pRg st="0" end="0"/>
-                                            </p:txEl>
-                                          </p:spTgt>
-                                        </p:tgtEl>
-                                      </p:cBhvr>
-                                    </p:animEffect>
-                                  </p:childTnLst>
-                                </p:cTn>
-                              </p:par>
-                            </p:childTnLst>
-                          </p:cTn>
-                        </p:par>
-                      </p:childTnLst>
-                    </p:cTn>
-                  </p:par>
-                </p:childTnLst>
-              </p:cTn>
-              <p:prevCondLst>
-                <p:cond evt="onPrev" delay="0">
-                  <p:tgtEl>
-                    <p:sldTgt/>
-                  </p:tgtEl>
-                </p:cond>
-              </p:prevCondLst>
-              <p:nextCondLst>
-                <p:cond evt="onNext" delay="0">
-                  <p:tgtEl>
-                    <p:sldTgt/>
-                  </p:tgtEl>
-                </p:cond>
-              </p:nextCondLst>
-            </p:seq>
-          </p:childTnLst>
-        </p:cTn>
-      </p:par>
-    </p:tnLst>
-    <p:bldLst>
-      <p:bldP spid="3" grpId="0" build="p"/>
-    </p:bldLst>
-  </p:timing>
 </p:sld>
 </file>
 
@@ -7490,7 +7232,7 @@
       </p:grpSpPr>
       <p:sp>
         <p:nvSpPr>
-          <p:cNvPr id="9" name="Freeform: Shape 8">
+          <p:cNvPr id="16" name="Freeform: Shape 15">
             <a:extLst>
               <a:ext uri="{FF2B5EF4-FFF2-40B4-BE49-F238E27FC236}">
                 <a16:creationId xmlns:a16="http://schemas.microsoft.com/office/drawing/2014/main" id="{F60FCA6E-0894-46CD-BD49-5955A51E0084}"/>
@@ -7645,7 +7387,7 @@
       </p:sp>
       <p:sp>
         <p:nvSpPr>
-          <p:cNvPr id="11" name="Freeform: Shape 10">
+          <p:cNvPr id="18" name="Freeform: Shape 17">
             <a:extLst>
               <a:ext uri="{FF2B5EF4-FFF2-40B4-BE49-F238E27FC236}">
                 <a16:creationId xmlns:a16="http://schemas.microsoft.com/office/drawing/2014/main" id="{E78C6E4B-A1F1-4B6C-97EC-BE997495D6AC}"/>
@@ -7860,10 +7602,10 @@
       </p:sp>
       <p:pic>
         <p:nvPicPr>
-          <p:cNvPr id="4" name="Graphic 3">
-            <a:extLst>
-              <a:ext uri="{FF2B5EF4-FFF2-40B4-BE49-F238E27FC236}">
-                <a16:creationId xmlns:a16="http://schemas.microsoft.com/office/drawing/2014/main" id="{79538C18-820D-487D-9613-1E5300AB2E95}"/>
+          <p:cNvPr id="7" name="Graphic 6">
+            <a:extLst>
+              <a:ext uri="{FF2B5EF4-FFF2-40B4-BE49-F238E27FC236}">
+                <a16:creationId xmlns:a16="http://schemas.microsoft.com/office/drawing/2014/main" id="{10E0C19C-F412-490C-BA7A-C4EA2E2DE66E}"/>
               </a:ext>
             </a:extLst>
           </p:cNvPr>
@@ -7886,8 +7628,8 @@
         </p:blipFill>
         <p:spPr>
           <a:xfrm>
-            <a:off x="84430" y="560832"/>
-            <a:ext cx="8376225" cy="4497977"/>
+            <a:off x="49511" y="604160"/>
+            <a:ext cx="7495002" cy="4215936"/>
           </a:xfrm>
           <a:prstGeom prst="rect">
             <a:avLst/>
@@ -7947,7 +7689,7 @@
         </p:nvSpPr>
         <p:spPr>
           <a:xfrm>
-            <a:off x="8510015" y="1038351"/>
+            <a:off x="7534655" y="965199"/>
             <a:ext cx="4008101" cy="4020458"/>
           </a:xfrm>
         </p:spPr>
@@ -8046,9 +7788,10 @@
           <a:lstStyle/>
           <a:p>
             <a:r>
-              <a:rPr lang="en-IN" dirty="0"/>
+              <a:rPr lang="en-IN"/>
               <a:t>Tvshow	</a:t>
             </a:r>
+            <a:endParaRPr lang="en-IN" dirty="0"/>
           </a:p>
         </p:txBody>
       </p:sp>
@@ -8070,7 +7813,7 @@
         </p:nvSpPr>
         <p:spPr>
           <a:xfrm>
-            <a:off x="838200" y="1825624"/>
+            <a:off x="838200" y="1417661"/>
             <a:ext cx="10515600" cy="4355719"/>
           </a:xfrm>
         </p:spPr>
@@ -8079,7 +7822,7 @@
           <a:lstStyle/>
           <a:p>
             <a:r>
-              <a:rPr lang="en-IN" dirty="0"/>
+              <a:rPr lang="en-IN"/>
               <a:t>Tvshow contains, Title, Crew, Genres, Seasons, Description, Rating, ID.</a:t>
             </a:r>
           </a:p>
@@ -8093,10 +7836,10 @@
       </p:sp>
       <p:pic>
         <p:nvPicPr>
-          <p:cNvPr id="4" name="Graphic 3">
-            <a:extLst>
-              <a:ext uri="{FF2B5EF4-FFF2-40B4-BE49-F238E27FC236}">
-                <a16:creationId xmlns:a16="http://schemas.microsoft.com/office/drawing/2014/main" id="{2FEC94DC-3E53-4ABE-95DC-7AFD6451E991}"/>
+          <p:cNvPr id="6" name="Graphic 5">
+            <a:extLst>
+              <a:ext uri="{FF2B5EF4-FFF2-40B4-BE49-F238E27FC236}">
+                <a16:creationId xmlns:a16="http://schemas.microsoft.com/office/drawing/2014/main" id="{2296CEC4-25AC-418D-A6A4-EDD7A064DE3B}"/>
               </a:ext>
             </a:extLst>
           </p:cNvPr>
@@ -8119,8 +7862,8 @@
         </p:blipFill>
         <p:spPr>
           <a:xfrm>
-            <a:off x="48768" y="2654109"/>
-            <a:ext cx="12094464" cy="3662170"/>
+            <a:off x="543406" y="2049052"/>
+            <a:ext cx="11105188" cy="4776864"/>
           </a:xfrm>
           <a:prstGeom prst="rect">
             <a:avLst/>
@@ -8418,10 +8161,10 @@
       </p:sp>
       <p:pic>
         <p:nvPicPr>
-          <p:cNvPr id="5" name="Graphic 4">
-            <a:extLst>
-              <a:ext uri="{FF2B5EF4-FFF2-40B4-BE49-F238E27FC236}">
-                <a16:creationId xmlns:a16="http://schemas.microsoft.com/office/drawing/2014/main" id="{2BF5D58B-B9F5-4300-8FEE-1D358841188E}"/>
+          <p:cNvPr id="4" name="Graphic 3">
+            <a:extLst>
+              <a:ext uri="{FF2B5EF4-FFF2-40B4-BE49-F238E27FC236}">
+                <a16:creationId xmlns:a16="http://schemas.microsoft.com/office/drawing/2014/main" id="{DC8B7973-3933-4792-8DCD-07ECF26B24D2}"/>
               </a:ext>
             </a:extLst>
           </p:cNvPr>
@@ -8444,8 +8187,8 @@
         </p:blipFill>
         <p:spPr>
           <a:xfrm>
-            <a:off x="733638" y="2440891"/>
-            <a:ext cx="10724724" cy="3736072"/>
+            <a:off x="1693065" y="2506662"/>
+            <a:ext cx="8805869" cy="4351338"/>
           </a:xfrm>
           <a:prstGeom prst="rect">
             <a:avLst/>
@@ -8468,6 +8211,14 @@
 <file path=ppt/slides/slide7.xml><?xml version="1.0" encoding="utf-8"?>
 <p:sld xmlns:a="http://schemas.openxmlformats.org/drawingml/2006/main" xmlns:r="http://schemas.openxmlformats.org/officeDocument/2006/relationships" xmlns:p="http://schemas.openxmlformats.org/presentationml/2006/main">
   <p:cSld>
+    <p:bg>
+      <p:bgPr>
+        <a:solidFill>
+          <a:schemeClr val="bg1"/>
+        </a:solidFill>
+        <a:effectLst/>
+      </p:bgPr>
+    </p:bg>
     <p:spTree>
       <p:nvGrpSpPr>
         <p:cNvPr id="1" name=""/>
@@ -8482,12 +8233,135 @@
           <a:chExt cx="0" cy="0"/>
         </a:xfrm>
       </p:grpSpPr>
+      <p:sp>
+        <p:nvSpPr>
+          <p:cNvPr id="27" name="Rectangle 26">
+            <a:extLst>
+              <a:ext uri="{FF2B5EF4-FFF2-40B4-BE49-F238E27FC236}">
+                <a16:creationId xmlns:a16="http://schemas.microsoft.com/office/drawing/2014/main" id="{32BC26D8-82FB-445E-AA49-62A77D7C1EE0}"/>
+              </a:ext>
+            </a:extLst>
+          </p:cNvPr>
+          <p:cNvSpPr>
+            <a:spLocks noGrp="1" noRot="1" noChangeAspect="1" noMove="1" noResize="1" noEditPoints="1" noAdjustHandles="1" noChangeArrowheads="1" noChangeShapeType="1" noTextEdit="1"/>
+          </p:cNvSpPr>
+          <p:nvPr>
+            <p:extLst>
+              <p:ext uri="{386F3935-93C4-4BCD-93E2-E3B085C9AB24}">
+                <p16:designElem xmlns:p16="http://schemas.microsoft.com/office/powerpoint/2015/main" val="1"/>
+              </p:ext>
+            </p:extLst>
+          </p:nvPr>
+        </p:nvSpPr>
+        <p:spPr>
+          <a:xfrm>
+            <a:off x="0" y="0"/>
+            <a:ext cx="12192000" cy="6858000"/>
+          </a:xfrm>
+          <a:prstGeom prst="rect">
+            <a:avLst/>
+          </a:prstGeom>
+          <a:solidFill>
+            <a:schemeClr val="tx1">
+              <a:lumMod val="65000"/>
+              <a:lumOff val="35000"/>
+            </a:schemeClr>
+          </a:solidFill>
+          <a:ln>
+            <a:noFill/>
+          </a:ln>
+        </p:spPr>
+        <p:style>
+          <a:lnRef idx="2">
+            <a:schemeClr val="accent1">
+              <a:shade val="50000"/>
+            </a:schemeClr>
+          </a:lnRef>
+          <a:fillRef idx="1">
+            <a:schemeClr val="accent1"/>
+          </a:fillRef>
+          <a:effectRef idx="0">
+            <a:schemeClr val="accent1"/>
+          </a:effectRef>
+          <a:fontRef idx="minor">
+            <a:schemeClr val="lt1"/>
+          </a:fontRef>
+        </p:style>
+        <p:txBody>
+          <a:bodyPr rtlCol="0" anchor="ctr"/>
+          <a:lstStyle/>
+          <a:p>
+            <a:pPr algn="ctr"/>
+            <a:endParaRPr lang="en-US"/>
+          </a:p>
+        </p:txBody>
+      </p:sp>
+      <p:sp>
+        <p:nvSpPr>
+          <p:cNvPr id="29" name="Rectangle 28">
+            <a:extLst>
+              <a:ext uri="{FF2B5EF4-FFF2-40B4-BE49-F238E27FC236}">
+                <a16:creationId xmlns:a16="http://schemas.microsoft.com/office/drawing/2014/main" id="{CB44330D-EA18-4254-AA95-EB49948539B8}"/>
+              </a:ext>
+            </a:extLst>
+          </p:cNvPr>
+          <p:cNvSpPr>
+            <a:spLocks noGrp="1" noRot="1" noChangeAspect="1" noMove="1" noResize="1" noEditPoints="1" noAdjustHandles="1" noChangeArrowheads="1" noChangeShapeType="1" noTextEdit="1"/>
+          </p:cNvSpPr>
+          <p:nvPr>
+            <p:extLst>
+              <p:ext uri="{386F3935-93C4-4BCD-93E2-E3B085C9AB24}">
+                <p16:designElem xmlns:p16="http://schemas.microsoft.com/office/powerpoint/2015/main" val="1"/>
+              </p:ext>
+            </p:extLst>
+          </p:nvPr>
+        </p:nvSpPr>
+        <p:spPr>
+          <a:xfrm>
+            <a:off x="477012" y="480060"/>
+            <a:ext cx="11237976" cy="5897880"/>
+          </a:xfrm>
+          <a:prstGeom prst="rect">
+            <a:avLst/>
+          </a:prstGeom>
+          <a:solidFill>
+            <a:srgbClr val="FFFFFF"/>
+          </a:solidFill>
+          <a:ln>
+            <a:noFill/>
+          </a:ln>
+        </p:spPr>
+        <p:style>
+          <a:lnRef idx="2">
+            <a:schemeClr val="accent1">
+              <a:shade val="50000"/>
+            </a:schemeClr>
+          </a:lnRef>
+          <a:fillRef idx="1">
+            <a:schemeClr val="accent1"/>
+          </a:fillRef>
+          <a:effectRef idx="0">
+            <a:schemeClr val="accent1"/>
+          </a:effectRef>
+          <a:fontRef idx="minor">
+            <a:schemeClr val="lt1"/>
+          </a:fontRef>
+        </p:style>
+        <p:txBody>
+          <a:bodyPr rtlCol="0" anchor="ctr"/>
+          <a:lstStyle/>
+          <a:p>
+            <a:pPr algn="ctr"/>
+            <a:endParaRPr lang="en-US"/>
+          </a:p>
+        </p:txBody>
+      </p:sp>
       <p:pic>
         <p:nvPicPr>
-          <p:cNvPr id="4" name="Content Placeholder 3">
-            <a:extLst>
-              <a:ext uri="{FF2B5EF4-FFF2-40B4-BE49-F238E27FC236}">
-                <a16:creationId xmlns:a16="http://schemas.microsoft.com/office/drawing/2014/main" id="{CD563FCC-1A0D-4999-9E4E-2B23A5597B06}"/>
+          <p:cNvPr id="24" name="Content Placeholder 11">
+            <a:extLst>
+              <a:ext uri="{FF2B5EF4-FFF2-40B4-BE49-F238E27FC236}">
+                <a16:creationId xmlns:a16="http://schemas.microsoft.com/office/drawing/2014/main" id="{1ABE0C0A-3E28-466A-BFEB-8BFF5207E19F}"/>
               </a:ext>
             </a:extLst>
           </p:cNvPr>
@@ -8512,8 +8386,8 @@
         </p:blipFill>
         <p:spPr>
           <a:xfrm>
-            <a:off x="0" y="832887"/>
-            <a:ext cx="12192000" cy="5192225"/>
+            <a:off x="643467" y="1547876"/>
+            <a:ext cx="10905066" cy="3762248"/>
           </a:xfrm>
           <a:prstGeom prst="rect">
             <a:avLst/>
@@ -8870,39 +8744,7 @@
           <a:p>
             <a:r>
               <a:rPr lang="fr-FR" sz="2000" dirty="0"/>
-              <a:t>Genres </a:t>
-            </a:r>
-            <a:r>
-              <a:rPr lang="fr-FR" sz="2000" dirty="0" err="1"/>
-              <a:t>may</a:t>
-            </a:r>
-            <a:r>
-              <a:rPr lang="fr-FR" sz="2000" dirty="0"/>
-              <a:t> </a:t>
-            </a:r>
-            <a:r>
-              <a:rPr lang="fr-FR" sz="2000" dirty="0" err="1"/>
-              <a:t>contain</a:t>
-            </a:r>
-            <a:r>
-              <a:rPr lang="fr-FR" sz="2000" dirty="0"/>
-              <a:t> </a:t>
-            </a:r>
-            <a:r>
-              <a:rPr lang="fr-FR" sz="2000" dirty="0" err="1"/>
-              <a:t>many</a:t>
-            </a:r>
-            <a:r>
-              <a:rPr lang="fr-FR" sz="2000" dirty="0"/>
-              <a:t> </a:t>
-            </a:r>
-            <a:r>
-              <a:rPr lang="fr-FR" sz="2000" dirty="0" err="1"/>
-              <a:t>Gerne</a:t>
-            </a:r>
-            <a:r>
-              <a:rPr lang="fr-FR" sz="2000" dirty="0"/>
-              <a:t> tags or a single MainGenres.</a:t>
+              <a:t>Genres may contain many Genre tags or a single MainGenre.</a:t>
             </a:r>
           </a:p>
           <a:p>
@@ -8928,10 +8770,10 @@
       </p:sp>
       <p:pic>
         <p:nvPicPr>
-          <p:cNvPr id="4" name="Picture 3">
-            <a:extLst>
-              <a:ext uri="{FF2B5EF4-FFF2-40B4-BE49-F238E27FC236}">
-                <a16:creationId xmlns:a16="http://schemas.microsoft.com/office/drawing/2014/main" id="{466A46F3-37A9-41A0-A5FF-39CE4C8077B5}"/>
+          <p:cNvPr id="5" name="Picture 4">
+            <a:extLst>
+              <a:ext uri="{FF2B5EF4-FFF2-40B4-BE49-F238E27FC236}">
+                <a16:creationId xmlns:a16="http://schemas.microsoft.com/office/drawing/2014/main" id="{45C8D84A-6F74-401A-8FD2-5BF250F4C413}"/>
               </a:ext>
             </a:extLst>
           </p:cNvPr>
@@ -8948,8 +8790,8 @@
         </p:blipFill>
         <p:spPr>
           <a:xfrm>
-            <a:off x="1105852" y="2855766"/>
-            <a:ext cx="4096477" cy="2926056"/>
+            <a:off x="7413674" y="3150463"/>
+            <a:ext cx="4067101" cy="1717873"/>
           </a:xfrm>
           <a:prstGeom prst="rect">
             <a:avLst/>
@@ -8958,10 +8800,10 @@
       </p:pic>
       <p:pic>
         <p:nvPicPr>
-          <p:cNvPr id="5" name="Picture 4">
-            <a:extLst>
-              <a:ext uri="{FF2B5EF4-FFF2-40B4-BE49-F238E27FC236}">
-                <a16:creationId xmlns:a16="http://schemas.microsoft.com/office/drawing/2014/main" id="{45C8D84A-6F74-401A-8FD2-5BF250F4C413}"/>
+          <p:cNvPr id="7" name="Picture 6">
+            <a:extLst>
+              <a:ext uri="{FF2B5EF4-FFF2-40B4-BE49-F238E27FC236}">
+                <a16:creationId xmlns:a16="http://schemas.microsoft.com/office/drawing/2014/main" id="{1A139849-B844-4E57-A1A5-BBF6EBD25549}"/>
               </a:ext>
             </a:extLst>
           </p:cNvPr>
@@ -8978,8 +8820,8 @@
         </p:blipFill>
         <p:spPr>
           <a:xfrm>
-            <a:off x="7413674" y="3150463"/>
-            <a:ext cx="4067101" cy="1717873"/>
+            <a:off x="838200" y="2982619"/>
+            <a:ext cx="4099904" cy="2898922"/>
           </a:xfrm>
           <a:prstGeom prst="rect">
             <a:avLst/>
